--- a/graphs/motivation.pptx
+++ b/graphs/motivation.pptx
@@ -3874,65 +3874,6 @@
       </p:sp>
       <p:sp>
         <p:nvSpPr>
-          <p:cNvPr id="47" name="Block Arc 46"/>
-          <p:cNvSpPr/>
-          <p:nvPr/>
-        </p:nvSpPr>
-        <p:spPr>
-          <a:xfrm>
-            <a:off x="1573031" y="640453"/>
-            <a:ext cx="227773" cy="398539"/>
-          </a:xfrm>
-          <a:prstGeom prst="blockArc">
-            <a:avLst/>
-          </a:prstGeom>
-          <a:solidFill>
-            <a:schemeClr val="bg2">
-              <a:lumMod val="90000"/>
-            </a:schemeClr>
-          </a:solidFill>
-          <a:ln>
-            <a:solidFill>
-              <a:schemeClr val="tx1"/>
-            </a:solidFill>
-          </a:ln>
-        </p:spPr>
-        <p:style>
-          <a:lnRef idx="2">
-            <a:schemeClr val="accent1">
-              <a:shade val="50000"/>
-            </a:schemeClr>
-          </a:lnRef>
-          <a:fillRef idx="1">
-            <a:schemeClr val="accent1"/>
-          </a:fillRef>
-          <a:effectRef idx="0">
-            <a:schemeClr val="accent1"/>
-          </a:effectRef>
-          <a:fontRef idx="minor">
-            <a:schemeClr val="lt1"/>
-          </a:fontRef>
-        </p:style>
-        <p:txBody>
-          <a:bodyPr rot="0" spcFirstLastPara="0" vertOverflow="overflow" horzOverflow="overflow" vert="horz" wrap="square" lIns="91440" tIns="45720" rIns="91440" bIns="45720" numCol="1" spcCol="0" rtlCol="0" fromWordArt="0" anchor="ctr" anchorCtr="0" forceAA="0" compatLnSpc="1">
-            <a:prstTxWarp prst="textNoShape">
-              <a:avLst/>
-            </a:prstTxWarp>
-            <a:noAutofit/>
-          </a:bodyPr>
-          <a:lstStyle/>
-          <a:p>
-            <a:pPr algn="ctr"/>
-            <a:endParaRPr lang="en-US">
-              <a:solidFill>
-                <a:schemeClr val="tx1"/>
-              </a:solidFill>
-            </a:endParaRPr>
-          </a:p>
-        </p:txBody>
-      </p:sp>
-      <p:sp>
-        <p:nvSpPr>
           <p:cNvPr id="62" name="Left Brace 61"/>
           <p:cNvSpPr/>
           <p:nvPr/>
@@ -4058,65 +3999,6 @@
       </p:sp>
       <p:sp>
         <p:nvSpPr>
-          <p:cNvPr id="65" name="Block Arc 64"/>
-          <p:cNvSpPr/>
-          <p:nvPr/>
-        </p:nvSpPr>
-        <p:spPr>
-          <a:xfrm>
-            <a:off x="3095688" y="621083"/>
-            <a:ext cx="227773" cy="398539"/>
-          </a:xfrm>
-          <a:prstGeom prst="blockArc">
-            <a:avLst/>
-          </a:prstGeom>
-          <a:solidFill>
-            <a:schemeClr val="bg2">
-              <a:lumMod val="90000"/>
-            </a:schemeClr>
-          </a:solidFill>
-          <a:ln>
-            <a:solidFill>
-              <a:schemeClr val="tx1"/>
-            </a:solidFill>
-          </a:ln>
-        </p:spPr>
-        <p:style>
-          <a:lnRef idx="2">
-            <a:schemeClr val="accent1">
-              <a:shade val="50000"/>
-            </a:schemeClr>
-          </a:lnRef>
-          <a:fillRef idx="1">
-            <a:schemeClr val="accent1"/>
-          </a:fillRef>
-          <a:effectRef idx="0">
-            <a:schemeClr val="accent1"/>
-          </a:effectRef>
-          <a:fontRef idx="minor">
-            <a:schemeClr val="lt1"/>
-          </a:fontRef>
-        </p:style>
-        <p:txBody>
-          <a:bodyPr rot="0" spcFirstLastPara="0" vertOverflow="overflow" horzOverflow="overflow" vert="horz" wrap="square" lIns="91440" tIns="45720" rIns="91440" bIns="45720" numCol="1" spcCol="0" rtlCol="0" fromWordArt="0" anchor="ctr" anchorCtr="0" forceAA="0" compatLnSpc="1">
-            <a:prstTxWarp prst="textNoShape">
-              <a:avLst/>
-            </a:prstTxWarp>
-            <a:noAutofit/>
-          </a:bodyPr>
-          <a:lstStyle/>
-          <a:p>
-            <a:pPr algn="ctr"/>
-            <a:endParaRPr lang="en-US">
-              <a:solidFill>
-                <a:schemeClr val="tx1"/>
-              </a:solidFill>
-            </a:endParaRPr>
-          </a:p>
-        </p:txBody>
-      </p:sp>
-      <p:sp>
-        <p:nvSpPr>
           <p:cNvPr id="66" name="Left Brace 65"/>
           <p:cNvSpPr/>
           <p:nvPr/>
@@ -4439,6 +4321,174 @@
           </a:p>
         </p:txBody>
       </p:sp>
+      <mc:AlternateContent xmlns:mc="http://schemas.openxmlformats.org/markup-compatibility/2006">
+        <mc:Choice xmlns:a14="http://schemas.microsoft.com/office/drawing/2010/main" Requires="a14">
+          <p:sp>
+            <p:nvSpPr>
+              <p:cNvPr id="2" name="TextBox 1"/>
+              <p:cNvSpPr txBox="1"/>
+              <p:nvPr/>
+            </p:nvSpPr>
+            <p:spPr>
+              <a:xfrm>
+                <a:off x="1608729" y="585805"/>
+                <a:ext cx="209993" cy="276999"/>
+              </a:xfrm>
+              <a:prstGeom prst="rect">
+                <a:avLst/>
+              </a:prstGeom>
+              <a:noFill/>
+            </p:spPr>
+            <p:txBody>
+              <a:bodyPr wrap="none" lIns="0" tIns="0" rIns="0" bIns="0" rtlCol="0">
+                <a:spAutoFit/>
+              </a:bodyPr>
+              <a:lstStyle/>
+              <a:p>
+                <a14:m>
+                  <m:oMathPara xmlns:m="http://schemas.openxmlformats.org/officeDocument/2006/math">
+                    <m:oMathParaPr>
+                      <m:jc m:val="centerGroup"/>
+                    </m:oMathParaPr>
+                    <m:oMath xmlns:m="http://schemas.openxmlformats.org/officeDocument/2006/math">
+                      <m:r>
+                        <a:rPr lang="en-US" b="0" i="1" smtClean="0">
+                          <a:latin typeface="Cambria Math" panose="02040503050406030204" pitchFamily="18" charset="0"/>
+                          <a:ea typeface="Cambria Math" panose="02040503050406030204" pitchFamily="18" charset="0"/>
+                        </a:rPr>
+                        <m:t>∩</m:t>
+                      </m:r>
+                    </m:oMath>
+                  </m:oMathPara>
+                </a14:m>
+                <a:endParaRPr lang="en-US" b="0" dirty="0"/>
+              </a:p>
+            </p:txBody>
+          </p:sp>
+        </mc:Choice>
+        <mc:Fallback>
+          <p:sp>
+            <p:nvSpPr>
+              <p:cNvPr id="2" name="TextBox 1"/>
+              <p:cNvSpPr txBox="1">
+                <a:spLocks noRot="1" noChangeAspect="1" noMove="1" noResize="1" noEditPoints="1" noAdjustHandles="1" noChangeArrowheads="1" noChangeShapeType="1" noTextEdit="1"/>
+              </p:cNvSpPr>
+              <p:nvPr/>
+            </p:nvSpPr>
+            <p:spPr>
+              <a:xfrm>
+                <a:off x="1608729" y="585805"/>
+                <a:ext cx="209993" cy="276999"/>
+              </a:xfrm>
+              <a:prstGeom prst="rect">
+                <a:avLst/>
+              </a:prstGeom>
+              <a:blipFill>
+                <a:blip r:embed="rId2"/>
+                <a:stretch>
+                  <a:fillRect l="-23529" r="-20588" b="-2174"/>
+                </a:stretch>
+              </a:blipFill>
+            </p:spPr>
+            <p:txBody>
+              <a:bodyPr/>
+              <a:lstStyle/>
+              <a:p>
+                <a:r>
+                  <a:rPr lang="en-US">
+                    <a:noFill/>
+                  </a:rPr>
+                  <a:t> </a:t>
+                </a:r>
+              </a:p>
+            </p:txBody>
+          </p:sp>
+        </mc:Fallback>
+      </mc:AlternateContent>
+      <mc:AlternateContent xmlns:mc="http://schemas.openxmlformats.org/markup-compatibility/2006">
+        <mc:Choice xmlns:a14="http://schemas.microsoft.com/office/drawing/2010/main" Requires="a14">
+          <p:sp>
+            <p:nvSpPr>
+              <p:cNvPr id="79" name="TextBox 78"/>
+              <p:cNvSpPr txBox="1"/>
+              <p:nvPr/>
+            </p:nvSpPr>
+            <p:spPr>
+              <a:xfrm>
+                <a:off x="3149506" y="585805"/>
+                <a:ext cx="209993" cy="276999"/>
+              </a:xfrm>
+              <a:prstGeom prst="rect">
+                <a:avLst/>
+              </a:prstGeom>
+              <a:noFill/>
+            </p:spPr>
+            <p:txBody>
+              <a:bodyPr wrap="none" lIns="0" tIns="0" rIns="0" bIns="0" rtlCol="0">
+                <a:spAutoFit/>
+              </a:bodyPr>
+              <a:lstStyle/>
+              <a:p>
+                <a14:m>
+                  <m:oMathPara xmlns:m="http://schemas.openxmlformats.org/officeDocument/2006/math">
+                    <m:oMathParaPr>
+                      <m:jc m:val="centerGroup"/>
+                    </m:oMathParaPr>
+                    <m:oMath xmlns:m="http://schemas.openxmlformats.org/officeDocument/2006/math">
+                      <m:r>
+                        <a:rPr lang="en-US" b="0" i="1" smtClean="0">
+                          <a:latin typeface="Cambria Math" panose="02040503050406030204" pitchFamily="18" charset="0"/>
+                          <a:ea typeface="Cambria Math" panose="02040503050406030204" pitchFamily="18" charset="0"/>
+                        </a:rPr>
+                        <m:t>∩</m:t>
+                      </m:r>
+                    </m:oMath>
+                  </m:oMathPara>
+                </a14:m>
+                <a:endParaRPr lang="en-US" b="0" dirty="0"/>
+              </a:p>
+            </p:txBody>
+          </p:sp>
+        </mc:Choice>
+        <mc:Fallback>
+          <p:sp>
+            <p:nvSpPr>
+              <p:cNvPr id="79" name="TextBox 78"/>
+              <p:cNvSpPr txBox="1">
+                <a:spLocks noRot="1" noChangeAspect="1" noMove="1" noResize="1" noEditPoints="1" noAdjustHandles="1" noChangeArrowheads="1" noChangeShapeType="1" noTextEdit="1"/>
+              </p:cNvSpPr>
+              <p:nvPr/>
+            </p:nvSpPr>
+            <p:spPr>
+              <a:xfrm>
+                <a:off x="3149506" y="585805"/>
+                <a:ext cx="209993" cy="276999"/>
+              </a:xfrm>
+              <a:prstGeom prst="rect">
+                <a:avLst/>
+              </a:prstGeom>
+              <a:blipFill>
+                <a:blip r:embed="rId3"/>
+                <a:stretch>
+                  <a:fillRect l="-23529" r="-20588" b="-2174"/>
+                </a:stretch>
+              </a:blipFill>
+            </p:spPr>
+            <p:txBody>
+              <a:bodyPr/>
+              <a:lstStyle/>
+              <a:p>
+                <a:r>
+                  <a:rPr lang="en-US">
+                    <a:noFill/>
+                  </a:rPr>
+                  <a:t> </a:t>
+                </a:r>
+              </a:p>
+            </p:txBody>
+          </p:sp>
+        </mc:Fallback>
+      </mc:AlternateContent>
     </p:spTree>
     <p:extLst>
       <p:ext uri="{BB962C8B-B14F-4D97-AF65-F5344CB8AC3E}">

--- a/graphs/motivation.pptx
+++ b/graphs/motivation.pptx
@@ -9,7 +9,7 @@
     <p:sldId id="257" r:id="rId3"/>
   </p:sldIdLst>
   <p:sldSz cx="5029200" cy="3200400"/>
-  <p:notesSz cx="6858000" cy="9144000"/>
+  <p:notesSz cx="7315200" cy="9601200"/>
   <p:defaultTextStyle>
     <a:defPPr>
       <a:defRPr lang="en-US"/>
@@ -105,6 +105,11 @@
       </a:defRPr>
     </a:lvl9pPr>
   </p:defaultTextStyle>
+  <p:extLst>
+    <p:ext uri="{EFAFB233-063F-42B5-8137-9DF3F51BA10A}">
+      <p15:sldGuideLst xmlns:p15="http://schemas.microsoft.com/office/powerpoint/2012/main"/>
+    </p:ext>
+  </p:extLst>
 </p:presentation>
 </file>
 
@@ -239,7 +244,7 @@
           <a:p>
             <a:fld id="{3434098C-4393-4719-B34A-A9652C57ED46}" type="datetimeFigureOut">
               <a:rPr lang="en-US" smtClean="0"/>
-              <a:t>7/20/2016</a:t>
+              <a:t>7/22/2016</a:t>
             </a:fld>
             <a:endParaRPr lang="en-US"/>
           </a:p>
@@ -409,7 +414,7 @@
           <a:p>
             <a:fld id="{3434098C-4393-4719-B34A-A9652C57ED46}" type="datetimeFigureOut">
               <a:rPr lang="en-US" smtClean="0"/>
-              <a:t>7/20/2016</a:t>
+              <a:t>7/22/2016</a:t>
             </a:fld>
             <a:endParaRPr lang="en-US"/>
           </a:p>
@@ -589,7 +594,7 @@
           <a:p>
             <a:fld id="{3434098C-4393-4719-B34A-A9652C57ED46}" type="datetimeFigureOut">
               <a:rPr lang="en-US" smtClean="0"/>
-              <a:t>7/20/2016</a:t>
+              <a:t>7/22/2016</a:t>
             </a:fld>
             <a:endParaRPr lang="en-US"/>
           </a:p>
@@ -759,7 +764,7 @@
           <a:p>
             <a:fld id="{3434098C-4393-4719-B34A-A9652C57ED46}" type="datetimeFigureOut">
               <a:rPr lang="en-US" smtClean="0"/>
-              <a:t>7/20/2016</a:t>
+              <a:t>7/22/2016</a:t>
             </a:fld>
             <a:endParaRPr lang="en-US"/>
           </a:p>
@@ -1005,7 +1010,7 @@
           <a:p>
             <a:fld id="{3434098C-4393-4719-B34A-A9652C57ED46}" type="datetimeFigureOut">
               <a:rPr lang="en-US" smtClean="0"/>
-              <a:t>7/20/2016</a:t>
+              <a:t>7/22/2016</a:t>
             </a:fld>
             <a:endParaRPr lang="en-US"/>
           </a:p>
@@ -1237,7 +1242,7 @@
           <a:p>
             <a:fld id="{3434098C-4393-4719-B34A-A9652C57ED46}" type="datetimeFigureOut">
               <a:rPr lang="en-US" smtClean="0"/>
-              <a:t>7/20/2016</a:t>
+              <a:t>7/22/2016</a:t>
             </a:fld>
             <a:endParaRPr lang="en-US"/>
           </a:p>
@@ -1604,7 +1609,7 @@
           <a:p>
             <a:fld id="{3434098C-4393-4719-B34A-A9652C57ED46}" type="datetimeFigureOut">
               <a:rPr lang="en-US" smtClean="0"/>
-              <a:t>7/20/2016</a:t>
+              <a:t>7/22/2016</a:t>
             </a:fld>
             <a:endParaRPr lang="en-US"/>
           </a:p>
@@ -1722,7 +1727,7 @@
           <a:p>
             <a:fld id="{3434098C-4393-4719-B34A-A9652C57ED46}" type="datetimeFigureOut">
               <a:rPr lang="en-US" smtClean="0"/>
-              <a:t>7/20/2016</a:t>
+              <a:t>7/22/2016</a:t>
             </a:fld>
             <a:endParaRPr lang="en-US"/>
           </a:p>
@@ -1817,7 +1822,7 @@
           <a:p>
             <a:fld id="{3434098C-4393-4719-B34A-A9652C57ED46}" type="datetimeFigureOut">
               <a:rPr lang="en-US" smtClean="0"/>
-              <a:t>7/20/2016</a:t>
+              <a:t>7/22/2016</a:t>
             </a:fld>
             <a:endParaRPr lang="en-US"/>
           </a:p>
@@ -2094,7 +2099,7 @@
           <a:p>
             <a:fld id="{3434098C-4393-4719-B34A-A9652C57ED46}" type="datetimeFigureOut">
               <a:rPr lang="en-US" smtClean="0"/>
-              <a:t>7/20/2016</a:t>
+              <a:t>7/22/2016</a:t>
             </a:fld>
             <a:endParaRPr lang="en-US"/>
           </a:p>
@@ -2351,7 +2356,7 @@
           <a:p>
             <a:fld id="{3434098C-4393-4719-B34A-A9652C57ED46}" type="datetimeFigureOut">
               <a:rPr lang="en-US" smtClean="0"/>
-              <a:t>7/20/2016</a:t>
+              <a:t>7/22/2016</a:t>
             </a:fld>
             <a:endParaRPr lang="en-US"/>
           </a:p>
@@ -2564,7 +2569,7 @@
           <a:p>
             <a:fld id="{3434098C-4393-4719-B34A-A9652C57ED46}" type="datetimeFigureOut">
               <a:rPr lang="en-US" smtClean="0"/>
-              <a:t>7/20/2016</a:t>
+              <a:t>7/22/2016</a:t>
             </a:fld>
             <a:endParaRPr lang="en-US"/>
           </a:p>
@@ -3593,7 +3598,7 @@
         </p:nvSpPr>
         <p:spPr>
           <a:xfrm rot="5400000">
-            <a:off x="2243493" y="1531813"/>
+            <a:off x="2243493" y="970605"/>
             <a:ext cx="440112" cy="304382"/>
           </a:xfrm>
           <a:prstGeom prst="rightArrow">
@@ -3652,7 +3657,7 @@
         </p:nvSpPr>
         <p:spPr>
           <a:xfrm>
-            <a:off x="118512" y="1519640"/>
+            <a:off x="118512" y="958432"/>
             <a:ext cx="2192844" cy="369332"/>
           </a:xfrm>
           <a:prstGeom prst="rect">
@@ -3682,7 +3687,7 @@
         <p:spPr>
           <a:xfrm>
             <a:off x="433952" y="360690"/>
-            <a:ext cx="162840" cy="795928"/>
+            <a:ext cx="162840" cy="469043"/>
           </a:xfrm>
           <a:prstGeom prst="leftBrace">
             <a:avLst/>
@@ -3730,7 +3735,7 @@
         <p:spPr>
           <a:xfrm>
             <a:off x="1315965" y="360690"/>
-            <a:ext cx="155448" cy="795928"/>
+            <a:ext cx="155448" cy="469043"/>
           </a:xfrm>
           <a:prstGeom prst="rightBrace">
             <a:avLst/>
@@ -3777,7 +3782,7 @@
         </p:nvSpPr>
         <p:spPr>
           <a:xfrm>
-            <a:off x="463426" y="573989"/>
+            <a:off x="463426" y="404659"/>
             <a:ext cx="1000595" cy="369332"/>
           </a:xfrm>
           <a:prstGeom prst="rect">
@@ -3881,7 +3886,7 @@
         <p:spPr>
           <a:xfrm>
             <a:off x="1953901" y="360042"/>
-            <a:ext cx="162840" cy="795928"/>
+            <a:ext cx="162840" cy="469691"/>
           </a:xfrm>
           <a:prstGeom prst="leftBrace">
             <a:avLst/>
@@ -3929,7 +3934,7 @@
         <p:spPr>
           <a:xfrm>
             <a:off x="2835912" y="360042"/>
-            <a:ext cx="155448" cy="795928"/>
+            <a:ext cx="155448" cy="469691"/>
           </a:xfrm>
           <a:prstGeom prst="rightBrace">
             <a:avLst/>
@@ -3976,7 +3981,7 @@
         </p:nvSpPr>
         <p:spPr>
           <a:xfrm>
-            <a:off x="2124407" y="573341"/>
+            <a:off x="2124407" y="404011"/>
             <a:ext cx="651140" cy="369332"/>
           </a:xfrm>
           <a:prstGeom prst="rect">
@@ -4006,7 +4011,7 @@
         <p:spPr>
           <a:xfrm>
             <a:off x="3516689" y="356632"/>
-            <a:ext cx="162840" cy="795928"/>
+            <a:ext cx="162840" cy="473101"/>
           </a:xfrm>
           <a:prstGeom prst="leftBrace">
             <a:avLst/>
@@ -4054,7 +4059,7 @@
         <p:spPr>
           <a:xfrm>
             <a:off x="4398702" y="356632"/>
-            <a:ext cx="155448" cy="795928"/>
+            <a:ext cx="155448" cy="473101"/>
           </a:xfrm>
           <a:prstGeom prst="rightBrace">
             <a:avLst/>
@@ -4101,7 +4106,7 @@
         </p:nvSpPr>
         <p:spPr>
           <a:xfrm>
-            <a:off x="3802511" y="528127"/>
+            <a:off x="3800909" y="402624"/>
             <a:ext cx="476412" cy="369332"/>
           </a:xfrm>
           <a:prstGeom prst="rect">
@@ -4167,7 +4172,7 @@
         </p:nvSpPr>
         <p:spPr>
           <a:xfrm>
-            <a:off x="1800803" y="2034567"/>
+            <a:off x="1800803" y="1437074"/>
             <a:ext cx="1326004" cy="261610"/>
           </a:xfrm>
           <a:prstGeom prst="rect">
@@ -4204,8 +4209,8 @@
         </p:nvSpPr>
         <p:spPr>
           <a:xfrm>
-            <a:off x="1939777" y="2295584"/>
-            <a:ext cx="162840" cy="795928"/>
+            <a:off x="1939777" y="1698091"/>
+            <a:ext cx="162840" cy="433102"/>
           </a:xfrm>
           <a:prstGeom prst="leftBrace">
             <a:avLst/>
@@ -4252,8 +4257,8 @@
         </p:nvSpPr>
         <p:spPr>
           <a:xfrm>
-            <a:off x="2821788" y="2295584"/>
-            <a:ext cx="155448" cy="795928"/>
+            <a:off x="2821788" y="1698091"/>
+            <a:ext cx="155448" cy="433102"/>
           </a:xfrm>
           <a:prstGeom prst="rightBrace">
             <a:avLst/>
@@ -4300,7 +4305,7 @@
         </p:nvSpPr>
         <p:spPr>
           <a:xfrm>
-            <a:off x="2223996" y="2508882"/>
+            <a:off x="2195805" y="1731436"/>
             <a:ext cx="476412" cy="369332"/>
           </a:xfrm>
           <a:prstGeom prst="rect">
@@ -4331,7 +4336,7 @@
             </p:nvSpPr>
             <p:spPr>
               <a:xfrm>
-                <a:off x="1608729" y="585805"/>
+                <a:off x="1608729" y="438246"/>
                 <a:ext cx="209993" cy="276999"/>
               </a:xfrm>
               <a:prstGeom prst="rect">
@@ -4345,6 +4350,7 @@
               </a:bodyPr>
               <a:lstStyle/>
               <a:p>
+                <a:pPr/>
                 <a14:m>
                   <m:oMathPara xmlns:m="http://schemas.openxmlformats.org/officeDocument/2006/math">
                     <m:oMathParaPr>
@@ -4377,7 +4383,7 @@
             </p:nvSpPr>
             <p:spPr>
               <a:xfrm>
-                <a:off x="1608729" y="585805"/>
+                <a:off x="1608729" y="438246"/>
                 <a:ext cx="209993" cy="276999"/>
               </a:xfrm>
               <a:prstGeom prst="rect">
@@ -4386,7 +4392,7 @@
               <a:blipFill>
                 <a:blip r:embed="rId2"/>
                 <a:stretch>
-                  <a:fillRect l="-23529" r="-20588" b="-2174"/>
+                  <a:fillRect l="-23529" r="-20588" b="-2222"/>
                 </a:stretch>
               </a:blipFill>
             </p:spPr>
@@ -4415,7 +4421,7 @@
             </p:nvSpPr>
             <p:spPr>
               <a:xfrm>
-                <a:off x="3149506" y="585805"/>
+                <a:off x="3149506" y="438246"/>
                 <a:ext cx="209993" cy="276999"/>
               </a:xfrm>
               <a:prstGeom prst="rect">
@@ -4429,6 +4435,7 @@
               </a:bodyPr>
               <a:lstStyle/>
               <a:p>
+                <a:pPr/>
                 <a14:m>
                   <m:oMathPara xmlns:m="http://schemas.openxmlformats.org/officeDocument/2006/math">
                     <m:oMathParaPr>
@@ -4461,7 +4468,7 @@
             </p:nvSpPr>
             <p:spPr>
               <a:xfrm>
-                <a:off x="3149506" y="585805"/>
+                <a:off x="3149506" y="438246"/>
                 <a:ext cx="209993" cy="276999"/>
               </a:xfrm>
               <a:prstGeom prst="rect">
@@ -4470,7 +4477,7 @@
               <a:blipFill>
                 <a:blip r:embed="rId3"/>
                 <a:stretch>
-                  <a:fillRect l="-23529" r="-20588" b="-2174"/>
+                  <a:fillRect l="-23529" r="-20588" b="-2222"/>
                 </a:stretch>
               </a:blipFill>
             </p:spPr>

--- a/graphs/motivation.pptx
+++ b/graphs/motivation.pptx
@@ -3078,8 +3078,8 @@
         </p:nvSpPr>
         <p:spPr>
           <a:xfrm>
-            <a:off x="539297" y="390813"/>
-            <a:ext cx="708848" cy="369332"/>
+            <a:off x="460739" y="394578"/>
+            <a:ext cx="942887" cy="369332"/>
           </a:xfrm>
           <a:prstGeom prst="rect">
             <a:avLst/>
@@ -3093,9 +3093,10 @@
           <a:lstStyle/>
           <a:p>
             <a:r>
-              <a:rPr lang="en-US" dirty="0"/>
-              <a:t>1,2,4,</a:t>
-            </a:r>
+              <a:rPr lang="en-US" dirty="0" smtClean="0"/>
+              <a:t>1,12,15,</a:t>
+            </a:r>
+            <a:endParaRPr lang="en-US" dirty="0"/>
           </a:p>
         </p:txBody>
       </p:sp>
@@ -3166,8 +3167,8 @@
         </p:nvSpPr>
         <p:spPr>
           <a:xfrm>
-            <a:off x="568151" y="663348"/>
-            <a:ext cx="651140" cy="369332"/>
+            <a:off x="399623" y="666295"/>
+            <a:ext cx="1059205" cy="369332"/>
           </a:xfrm>
           <a:prstGeom prst="rect">
             <a:avLst/>
@@ -3175,15 +3176,16 @@
           <a:noFill/>
         </p:spPr>
         <p:txBody>
-          <a:bodyPr wrap="none" rtlCol="0">
+          <a:bodyPr wrap="square" rtlCol="0">
             <a:spAutoFit/>
           </a:bodyPr>
           <a:lstStyle/>
           <a:p>
             <a:r>
-              <a:rPr lang="en-US" dirty="0"/>
-              <a:t>5,7,8</a:t>
-            </a:r>
+              <a:rPr lang="en-US" dirty="0" smtClean="0"/>
+              <a:t>75,79,81,</a:t>
+            </a:r>
+            <a:endParaRPr lang="en-US" dirty="0"/>
           </a:p>
         </p:txBody>
       </p:sp>
@@ -3195,8 +3197,8 @@
         </p:nvSpPr>
         <p:spPr>
           <a:xfrm>
-            <a:off x="392622" y="935882"/>
-            <a:ext cx="1002197" cy="369332"/>
+            <a:off x="268514" y="935882"/>
+            <a:ext cx="1360344" cy="369332"/>
           </a:xfrm>
           <a:prstGeom prst="rect">
             <a:avLst/>
@@ -3204,15 +3206,16 @@
           <a:noFill/>
         </p:spPr>
         <p:txBody>
-          <a:bodyPr wrap="none" rtlCol="0">
+          <a:bodyPr wrap="square" rtlCol="0">
             <a:spAutoFit/>
           </a:bodyPr>
           <a:lstStyle/>
           <a:p>
             <a:r>
-              <a:rPr lang="en-US" dirty="0"/>
-              <a:t>12,13,15</a:t>
-            </a:r>
+              <a:rPr lang="en-US" dirty="0" smtClean="0"/>
+              <a:t>121,127,135</a:t>
+            </a:r>
+            <a:endParaRPr lang="en-US" dirty="0"/>
           </a:p>
         </p:txBody>
       </p:sp>
@@ -3320,8 +3323,8 @@
         </p:nvSpPr>
         <p:spPr>
           <a:xfrm>
-            <a:off x="3888502" y="390813"/>
-            <a:ext cx="617477" cy="369332"/>
+            <a:off x="3862003" y="403398"/>
+            <a:ext cx="734496" cy="369332"/>
           </a:xfrm>
           <a:prstGeom prst="rect">
             <a:avLst/>
@@ -3336,8 +3339,13 @@
           <a:p>
             <a:r>
               <a:rPr lang="en-US" dirty="0"/>
-              <a:t>[1,4]</a:t>
-            </a:r>
+              <a:t>[</a:t>
+            </a:r>
+            <a:r>
+              <a:rPr lang="en-US" dirty="0" smtClean="0"/>
+              <a:t>1,15]</a:t>
+            </a:r>
+            <a:endParaRPr lang="en-US" dirty="0"/>
           </a:p>
         </p:txBody>
       </p:sp>
@@ -3349,8 +3357,8 @@
         </p:nvSpPr>
         <p:spPr>
           <a:xfrm>
-            <a:off x="3888500" y="663348"/>
-            <a:ext cx="670376" cy="369332"/>
+            <a:off x="3806780" y="666295"/>
+            <a:ext cx="904415" cy="369332"/>
           </a:xfrm>
           <a:prstGeom prst="rect">
             <a:avLst/>
@@ -3364,9 +3372,10 @@
           <a:lstStyle/>
           <a:p>
             <a:r>
-              <a:rPr lang="en-US" dirty="0"/>
-              <a:t>[5,8] </a:t>
-            </a:r>
+              <a:rPr lang="en-US" dirty="0" smtClean="0"/>
+              <a:t>[75,81] </a:t>
+            </a:r>
+            <a:endParaRPr lang="en-US" dirty="0"/>
           </a:p>
         </p:txBody>
       </p:sp>
@@ -3378,8 +3387,8 @@
         </p:nvSpPr>
         <p:spPr>
           <a:xfrm>
-            <a:off x="3797932" y="935882"/>
-            <a:ext cx="851515" cy="369332"/>
+            <a:off x="3693323" y="935882"/>
+            <a:ext cx="1085554" cy="369332"/>
           </a:xfrm>
           <a:prstGeom prst="rect">
             <a:avLst/>
@@ -3394,7 +3403,15 @@
           <a:p>
             <a:r>
               <a:rPr lang="en-US" dirty="0"/>
-              <a:t>[12,15]</a:t>
+              <a:t>[</a:t>
+            </a:r>
+            <a:r>
+              <a:rPr lang="en-US" dirty="0" smtClean="0"/>
+              <a:t>121,135</a:t>
+            </a:r>
+            <a:r>
+              <a:rPr lang="en-US" dirty="0"/>
+              <a:t>]</a:t>
             </a:r>
           </a:p>
         </p:txBody>
@@ -3494,8 +3511,8 @@
         </p:nvSpPr>
         <p:spPr>
           <a:xfrm>
-            <a:off x="360750" y="78381"/>
-            <a:ext cx="1460887" cy="261610"/>
+            <a:off x="147563" y="78381"/>
+            <a:ext cx="1570056" cy="261610"/>
           </a:xfrm>
           <a:prstGeom prst="rect">
             <a:avLst/>
@@ -3509,17 +3526,18 @@
           <a:lstStyle/>
           <a:p>
             <a:r>
-              <a:rPr lang="en-US" sz="1100" dirty="0"/>
-              <a:t>Users that </a:t>
-            </a:r>
-            <a:r>
-              <a:rPr lang="en-US" sz="1100" b="1" dirty="0"/>
+              <a:rPr lang="en-US" sz="1100" dirty="0" smtClean="0"/>
+              <a:t>Timestamps of </a:t>
+            </a:r>
+            <a:r>
+              <a:rPr lang="en-US" sz="1100" b="1" dirty="0" smtClean="0"/>
               <a:t>S</a:t>
             </a:r>
             <a:r>
-              <a:rPr lang="en-US" sz="1100" dirty="0"/>
-              <a:t>earch</a:t>
-            </a:r>
+              <a:rPr lang="en-US" sz="1100" dirty="0" smtClean="0"/>
+              <a:t>earches</a:t>
+            </a:r>
+            <a:endParaRPr lang="en-US" sz="1100" dirty="0"/>
           </a:p>
         </p:txBody>
       </p:sp>
@@ -3531,8 +3549,8 @@
         </p:nvSpPr>
         <p:spPr>
           <a:xfrm>
-            <a:off x="3604574" y="78381"/>
-            <a:ext cx="1460887" cy="261610"/>
+            <a:off x="3367314" y="78381"/>
+            <a:ext cx="1603829" cy="261610"/>
           </a:xfrm>
           <a:prstGeom prst="rect">
             <a:avLst/>
@@ -3547,7 +3565,7 @@
           <a:p>
             <a:r>
               <a:rPr lang="en-US" sz="1100" dirty="0"/>
-              <a:t>Users that </a:t>
+              <a:t>Timestamps of </a:t>
             </a:r>
             <a:r>
               <a:rPr lang="en-US" sz="1100" b="1" dirty="0"/>
@@ -3555,8 +3573,9 @@
             </a:r>
             <a:r>
               <a:rPr lang="en-US" sz="1100" dirty="0"/>
-              <a:t>earch</a:t>
-            </a:r>
+              <a:t>earches</a:t>
+            </a:r>
+            <a:endParaRPr lang="en-US" sz="1100" dirty="0"/>
           </a:p>
         </p:txBody>
       </p:sp>
@@ -4326,8 +4345,8 @@
           </a:p>
         </p:txBody>
       </p:sp>
-      <mc:AlternateContent xmlns:mc="http://schemas.openxmlformats.org/markup-compatibility/2006">
-        <mc:Choice xmlns:a14="http://schemas.microsoft.com/office/drawing/2010/main" Requires="a14">
+      <mc:AlternateContent xmlns:mc="http://schemas.openxmlformats.org/markup-compatibility/2006" xmlns:a14="http://schemas.microsoft.com/office/drawing/2010/main">
+        <mc:Choice Requires="a14">
           <p:sp>
             <p:nvSpPr>
               <p:cNvPr id="2" name="TextBox 1"/>
@@ -4372,7 +4391,7 @@
             </p:txBody>
           </p:sp>
         </mc:Choice>
-        <mc:Fallback>
+        <mc:Fallback xmlns="">
           <p:sp>
             <p:nvSpPr>
               <p:cNvPr id="2" name="TextBox 1"/>
@@ -4411,8 +4430,8 @@
           </p:sp>
         </mc:Fallback>
       </mc:AlternateContent>
-      <mc:AlternateContent xmlns:mc="http://schemas.openxmlformats.org/markup-compatibility/2006">
-        <mc:Choice xmlns:a14="http://schemas.microsoft.com/office/drawing/2010/main" Requires="a14">
+      <mc:AlternateContent xmlns:mc="http://schemas.openxmlformats.org/markup-compatibility/2006" xmlns:a14="http://schemas.microsoft.com/office/drawing/2010/main">
+        <mc:Choice Requires="a14">
           <p:sp>
             <p:nvSpPr>
               <p:cNvPr id="79" name="TextBox 78"/>
@@ -4457,7 +4476,7 @@
             </p:txBody>
           </p:sp>
         </mc:Choice>
-        <mc:Fallback>
+        <mc:Fallback xmlns="">
           <p:sp>
             <p:nvSpPr>
               <p:cNvPr id="79" name="TextBox 78"/>

--- a/graphs/motivation.pptx
+++ b/graphs/motivation.pptx
@@ -3183,7 +3183,11 @@
           <a:p>
             <a:r>
               <a:rPr lang="en-US" dirty="0" smtClean="0"/>
-              <a:t>75,79,81,</a:t>
+              <a:t>76,79,81</a:t>
+            </a:r>
+            <a:r>
+              <a:rPr lang="en-US" dirty="0" smtClean="0"/>
+              <a:t>,</a:t>
             </a:r>
             <a:endParaRPr lang="en-US" dirty="0"/>
           </a:p>
@@ -3213,206 +3217,9 @@
           <a:p>
             <a:r>
               <a:rPr lang="en-US" dirty="0" smtClean="0"/>
-              <a:t>121,127,135</a:t>
+              <a:t>119,127,135</a:t>
             </a:r>
             <a:endParaRPr lang="en-US" dirty="0"/>
-          </a:p>
-        </p:txBody>
-      </p:sp>
-      <p:sp>
-        <p:nvSpPr>
-          <p:cNvPr id="24" name="Left Brace 23"/>
-          <p:cNvSpPr/>
-          <p:nvPr/>
-        </p:nvSpPr>
-        <p:spPr>
-          <a:xfrm>
-            <a:off x="3547114" y="390814"/>
-            <a:ext cx="162840" cy="914400"/>
-          </a:xfrm>
-          <a:prstGeom prst="leftBrace">
-            <a:avLst/>
-          </a:prstGeom>
-          <a:ln>
-            <a:solidFill>
-              <a:schemeClr val="tx1"/>
-            </a:solidFill>
-          </a:ln>
-        </p:spPr>
-        <p:style>
-          <a:lnRef idx="1">
-            <a:schemeClr val="accent1"/>
-          </a:lnRef>
-          <a:fillRef idx="0">
-            <a:schemeClr val="accent1"/>
-          </a:fillRef>
-          <a:effectRef idx="0">
-            <a:schemeClr val="accent1"/>
-          </a:effectRef>
-          <a:fontRef idx="minor">
-            <a:schemeClr val="tx1"/>
-          </a:fontRef>
-        </p:style>
-        <p:txBody>
-          <a:bodyPr rot="0" spcFirstLastPara="0" vertOverflow="overflow" horzOverflow="overflow" vert="horz" wrap="square" lIns="91440" tIns="45720" rIns="91440" bIns="45720" numCol="1" spcCol="0" rtlCol="0" fromWordArt="0" anchor="ctr" anchorCtr="0" forceAA="0" compatLnSpc="1">
-            <a:prstTxWarp prst="textNoShape">
-              <a:avLst/>
-            </a:prstTxWarp>
-            <a:noAutofit/>
-          </a:bodyPr>
-          <a:lstStyle/>
-          <a:p>
-            <a:pPr algn="ctr"/>
-            <a:endParaRPr lang="en-US"/>
-          </a:p>
-        </p:txBody>
-      </p:sp>
-      <p:sp>
-        <p:nvSpPr>
-          <p:cNvPr id="25" name="Right Brace 24"/>
-          <p:cNvSpPr/>
-          <p:nvPr/>
-        </p:nvSpPr>
-        <p:spPr>
-          <a:xfrm>
-            <a:off x="4684524" y="390814"/>
-            <a:ext cx="155448" cy="914400"/>
-          </a:xfrm>
-          <a:prstGeom prst="rightBrace">
-            <a:avLst/>
-          </a:prstGeom>
-          <a:ln>
-            <a:solidFill>
-              <a:schemeClr val="tx1"/>
-            </a:solidFill>
-          </a:ln>
-        </p:spPr>
-        <p:style>
-          <a:lnRef idx="1">
-            <a:schemeClr val="accent1"/>
-          </a:lnRef>
-          <a:fillRef idx="0">
-            <a:schemeClr val="accent1"/>
-          </a:fillRef>
-          <a:effectRef idx="0">
-            <a:schemeClr val="accent1"/>
-          </a:effectRef>
-          <a:fontRef idx="minor">
-            <a:schemeClr val="tx1"/>
-          </a:fontRef>
-        </p:style>
-        <p:txBody>
-          <a:bodyPr rot="0" spcFirstLastPara="0" vertOverflow="overflow" horzOverflow="overflow" vert="horz" wrap="square" lIns="91440" tIns="45720" rIns="91440" bIns="45720" numCol="1" spcCol="0" rtlCol="0" fromWordArt="0" anchor="ctr" anchorCtr="0" forceAA="0" compatLnSpc="1">
-            <a:prstTxWarp prst="textNoShape">
-              <a:avLst/>
-            </a:prstTxWarp>
-            <a:noAutofit/>
-          </a:bodyPr>
-          <a:lstStyle/>
-          <a:p>
-            <a:pPr algn="ctr"/>
-            <a:endParaRPr lang="en-US"/>
-          </a:p>
-        </p:txBody>
-      </p:sp>
-      <p:sp>
-        <p:nvSpPr>
-          <p:cNvPr id="26" name="TextBox 25"/>
-          <p:cNvSpPr txBox="1"/>
-          <p:nvPr/>
-        </p:nvSpPr>
-        <p:spPr>
-          <a:xfrm>
-            <a:off x="3862003" y="403398"/>
-            <a:ext cx="734496" cy="369332"/>
-          </a:xfrm>
-          <a:prstGeom prst="rect">
-            <a:avLst/>
-          </a:prstGeom>
-          <a:noFill/>
-        </p:spPr>
-        <p:txBody>
-          <a:bodyPr wrap="none" rtlCol="0">
-            <a:spAutoFit/>
-          </a:bodyPr>
-          <a:lstStyle/>
-          <a:p>
-            <a:r>
-              <a:rPr lang="en-US" dirty="0"/>
-              <a:t>[</a:t>
-            </a:r>
-            <a:r>
-              <a:rPr lang="en-US" dirty="0" smtClean="0"/>
-              <a:t>1,15]</a:t>
-            </a:r>
-            <a:endParaRPr lang="en-US" dirty="0"/>
-          </a:p>
-        </p:txBody>
-      </p:sp>
-      <p:sp>
-        <p:nvSpPr>
-          <p:cNvPr id="27" name="TextBox 26"/>
-          <p:cNvSpPr txBox="1"/>
-          <p:nvPr/>
-        </p:nvSpPr>
-        <p:spPr>
-          <a:xfrm>
-            <a:off x="3806780" y="666295"/>
-            <a:ext cx="904415" cy="369332"/>
-          </a:xfrm>
-          <a:prstGeom prst="rect">
-            <a:avLst/>
-          </a:prstGeom>
-          <a:noFill/>
-        </p:spPr>
-        <p:txBody>
-          <a:bodyPr wrap="none" rtlCol="0">
-            <a:spAutoFit/>
-          </a:bodyPr>
-          <a:lstStyle/>
-          <a:p>
-            <a:r>
-              <a:rPr lang="en-US" dirty="0" smtClean="0"/>
-              <a:t>[75,81] </a:t>
-            </a:r>
-            <a:endParaRPr lang="en-US" dirty="0"/>
-          </a:p>
-        </p:txBody>
-      </p:sp>
-      <p:sp>
-        <p:nvSpPr>
-          <p:cNvPr id="28" name="TextBox 27"/>
-          <p:cNvSpPr txBox="1"/>
-          <p:nvPr/>
-        </p:nvSpPr>
-        <p:spPr>
-          <a:xfrm>
-            <a:off x="3693323" y="935882"/>
-            <a:ext cx="1085554" cy="369332"/>
-          </a:xfrm>
-          <a:prstGeom prst="rect">
-            <a:avLst/>
-          </a:prstGeom>
-          <a:noFill/>
-        </p:spPr>
-        <p:txBody>
-          <a:bodyPr wrap="none" rtlCol="0">
-            <a:spAutoFit/>
-          </a:bodyPr>
-          <a:lstStyle/>
-          <a:p>
-            <a:r>
-              <a:rPr lang="en-US" dirty="0"/>
-              <a:t>[</a:t>
-            </a:r>
-            <a:r>
-              <a:rPr lang="en-US" dirty="0" smtClean="0"/>
-              <a:t>121,135</a:t>
-            </a:r>
-            <a:r>
-              <a:rPr lang="en-US" dirty="0"/>
-              <a:t>]</a:t>
-            </a:r>
           </a:p>
         </p:txBody>
       </p:sp>
@@ -3482,8 +3289,8 @@
         </p:nvSpPr>
         <p:spPr>
           <a:xfrm>
-            <a:off x="3729545" y="1356036"/>
-            <a:ext cx="988284" cy="369332"/>
+            <a:off x="3538444" y="1356036"/>
+            <a:ext cx="1381019" cy="369332"/>
           </a:xfrm>
           <a:prstGeom prst="rect">
             <a:avLst/>
@@ -3497,9 +3304,10 @@
           <a:lstStyle/>
           <a:p>
             <a:r>
-              <a:rPr lang="en-US" dirty="0"/>
-              <a:t>Intervals</a:t>
-            </a:r>
+              <a:rPr lang="en-US" dirty="0" smtClean="0"/>
+              <a:t>Interval Map</a:t>
+            </a:r>
+            <a:endParaRPr lang="en-US" dirty="0"/>
           </a:p>
         </p:txBody>
       </p:sp>
@@ -3549,7 +3357,7 @@
         </p:nvSpPr>
         <p:spPr>
           <a:xfrm>
-            <a:off x="3367314" y="78381"/>
+            <a:off x="3414203" y="76079"/>
             <a:ext cx="1603829" cy="261610"/>
           </a:xfrm>
           <a:prstGeom prst="rect">
@@ -3575,10 +3383,1644 @@
               <a:rPr lang="en-US" sz="1100" dirty="0"/>
               <a:t>earches</a:t>
             </a:r>
-            <a:endParaRPr lang="en-US" sz="1100" dirty="0"/>
-          </a:p>
-        </p:txBody>
-      </p:sp>
+          </a:p>
+        </p:txBody>
+      </p:sp>
+      <p:grpSp>
+        <p:nvGrpSpPr>
+          <p:cNvPr id="9" name="Group 8"/>
+          <p:cNvGrpSpPr/>
+          <p:nvPr/>
+        </p:nvGrpSpPr>
+        <p:grpSpPr>
+          <a:xfrm>
+            <a:off x="3424307" y="337035"/>
+            <a:ext cx="1720566" cy="897821"/>
+            <a:chOff x="3580373" y="452442"/>
+            <a:chExt cx="1296592" cy="706802"/>
+          </a:xfrm>
+        </p:grpSpPr>
+        <p:sp>
+          <p:nvSpPr>
+            <p:cNvPr id="97" name="Rectangle 96"/>
+            <p:cNvSpPr/>
+            <p:nvPr/>
+          </p:nvSpPr>
+          <p:spPr>
+            <a:xfrm>
+              <a:off x="3730761" y="614547"/>
+              <a:ext cx="89506" cy="87085"/>
+            </a:xfrm>
+            <a:prstGeom prst="rect">
+              <a:avLst/>
+            </a:prstGeom>
+            <a:solidFill>
+              <a:schemeClr val="tx1"/>
+            </a:solidFill>
+            <a:ln>
+              <a:solidFill>
+                <a:schemeClr val="tx1"/>
+              </a:solidFill>
+            </a:ln>
+          </p:spPr>
+          <p:style>
+            <a:lnRef idx="2">
+              <a:schemeClr val="accent1">
+                <a:shade val="50000"/>
+              </a:schemeClr>
+            </a:lnRef>
+            <a:fillRef idx="1">
+              <a:schemeClr val="accent1"/>
+            </a:fillRef>
+            <a:effectRef idx="0">
+              <a:schemeClr val="accent1"/>
+            </a:effectRef>
+            <a:fontRef idx="minor">
+              <a:schemeClr val="lt1"/>
+            </a:fontRef>
+          </p:style>
+          <p:txBody>
+            <a:bodyPr rtlCol="0" anchor="ctr"/>
+            <a:lstStyle/>
+            <a:p>
+              <a:pPr algn="ctr"/>
+              <a:endParaRPr lang="en-US"/>
+            </a:p>
+          </p:txBody>
+        </p:sp>
+        <p:sp>
+          <p:nvSpPr>
+            <p:cNvPr id="98" name="Rectangle 97"/>
+            <p:cNvSpPr/>
+            <p:nvPr/>
+          </p:nvSpPr>
+          <p:spPr>
+            <a:xfrm>
+              <a:off x="3910978" y="614546"/>
+              <a:ext cx="89506" cy="87085"/>
+            </a:xfrm>
+            <a:prstGeom prst="rect">
+              <a:avLst/>
+            </a:prstGeom>
+            <a:solidFill>
+              <a:schemeClr val="tx1"/>
+            </a:solidFill>
+            <a:ln>
+              <a:solidFill>
+                <a:schemeClr val="tx1"/>
+              </a:solidFill>
+            </a:ln>
+          </p:spPr>
+          <p:style>
+            <a:lnRef idx="2">
+              <a:schemeClr val="accent1">
+                <a:shade val="50000"/>
+              </a:schemeClr>
+            </a:lnRef>
+            <a:fillRef idx="1">
+              <a:schemeClr val="accent1"/>
+            </a:fillRef>
+            <a:effectRef idx="0">
+              <a:schemeClr val="accent1"/>
+            </a:effectRef>
+            <a:fontRef idx="minor">
+              <a:schemeClr val="lt1"/>
+            </a:fontRef>
+          </p:style>
+          <p:txBody>
+            <a:bodyPr rtlCol="0" anchor="ctr"/>
+            <a:lstStyle/>
+            <a:p>
+              <a:pPr algn="ctr"/>
+              <a:endParaRPr lang="en-US"/>
+            </a:p>
+          </p:txBody>
+        </p:sp>
+        <p:sp>
+          <p:nvSpPr>
+            <p:cNvPr id="99" name="Rectangle 98"/>
+            <p:cNvSpPr/>
+            <p:nvPr/>
+          </p:nvSpPr>
+          <p:spPr>
+            <a:xfrm>
+              <a:off x="3999273" y="614546"/>
+              <a:ext cx="89506" cy="87085"/>
+            </a:xfrm>
+            <a:prstGeom prst="rect">
+              <a:avLst/>
+            </a:prstGeom>
+            <a:solidFill>
+              <a:schemeClr val="bg1"/>
+            </a:solidFill>
+            <a:ln>
+              <a:solidFill>
+                <a:schemeClr val="tx1"/>
+              </a:solidFill>
+            </a:ln>
+          </p:spPr>
+          <p:style>
+            <a:lnRef idx="2">
+              <a:schemeClr val="accent1">
+                <a:shade val="50000"/>
+              </a:schemeClr>
+            </a:lnRef>
+            <a:fillRef idx="1">
+              <a:schemeClr val="accent1"/>
+            </a:fillRef>
+            <a:effectRef idx="0">
+              <a:schemeClr val="accent1"/>
+            </a:effectRef>
+            <a:fontRef idx="minor">
+              <a:schemeClr val="lt1"/>
+            </a:fontRef>
+          </p:style>
+          <p:txBody>
+            <a:bodyPr rtlCol="0" anchor="ctr"/>
+            <a:lstStyle/>
+            <a:p>
+              <a:pPr algn="ctr"/>
+              <a:endParaRPr lang="en-US"/>
+            </a:p>
+          </p:txBody>
+        </p:sp>
+        <p:sp>
+          <p:nvSpPr>
+            <p:cNvPr id="100" name="Rectangle 99"/>
+            <p:cNvSpPr/>
+            <p:nvPr/>
+          </p:nvSpPr>
+          <p:spPr>
+            <a:xfrm>
+              <a:off x="4088779" y="614545"/>
+              <a:ext cx="89506" cy="87085"/>
+            </a:xfrm>
+            <a:prstGeom prst="rect">
+              <a:avLst/>
+            </a:prstGeom>
+            <a:solidFill>
+              <a:schemeClr val="bg1"/>
+            </a:solidFill>
+            <a:ln>
+              <a:solidFill>
+                <a:schemeClr val="tx1"/>
+              </a:solidFill>
+            </a:ln>
+          </p:spPr>
+          <p:style>
+            <a:lnRef idx="2">
+              <a:schemeClr val="accent1">
+                <a:shade val="50000"/>
+              </a:schemeClr>
+            </a:lnRef>
+            <a:fillRef idx="1">
+              <a:schemeClr val="accent1"/>
+            </a:fillRef>
+            <a:effectRef idx="0">
+              <a:schemeClr val="accent1"/>
+            </a:effectRef>
+            <a:fontRef idx="minor">
+              <a:schemeClr val="lt1"/>
+            </a:fontRef>
+          </p:style>
+          <p:txBody>
+            <a:bodyPr rtlCol="0" anchor="ctr"/>
+            <a:lstStyle/>
+            <a:p>
+              <a:pPr algn="ctr"/>
+              <a:endParaRPr lang="en-US"/>
+            </a:p>
+          </p:txBody>
+        </p:sp>
+        <p:sp>
+          <p:nvSpPr>
+            <p:cNvPr id="101" name="Rectangle 100"/>
+            <p:cNvSpPr/>
+            <p:nvPr/>
+          </p:nvSpPr>
+          <p:spPr>
+            <a:xfrm>
+              <a:off x="3820264" y="614547"/>
+              <a:ext cx="89506" cy="87085"/>
+            </a:xfrm>
+            <a:prstGeom prst="rect">
+              <a:avLst/>
+            </a:prstGeom>
+            <a:solidFill>
+              <a:schemeClr val="bg1"/>
+            </a:solidFill>
+            <a:ln>
+              <a:solidFill>
+                <a:schemeClr val="tx1"/>
+              </a:solidFill>
+            </a:ln>
+          </p:spPr>
+          <p:style>
+            <a:lnRef idx="2">
+              <a:schemeClr val="accent1">
+                <a:shade val="50000"/>
+              </a:schemeClr>
+            </a:lnRef>
+            <a:fillRef idx="1">
+              <a:schemeClr val="accent1"/>
+            </a:fillRef>
+            <a:effectRef idx="0">
+              <a:schemeClr val="accent1"/>
+            </a:effectRef>
+            <a:fontRef idx="minor">
+              <a:schemeClr val="lt1"/>
+            </a:fontRef>
+          </p:style>
+          <p:txBody>
+            <a:bodyPr rtlCol="0" anchor="ctr"/>
+            <a:lstStyle/>
+            <a:p>
+              <a:pPr algn="ctr"/>
+              <a:endParaRPr lang="en-US"/>
+            </a:p>
+          </p:txBody>
+        </p:sp>
+        <p:sp>
+          <p:nvSpPr>
+            <p:cNvPr id="102" name="Rectangle 101"/>
+            <p:cNvSpPr/>
+            <p:nvPr/>
+          </p:nvSpPr>
+          <p:spPr>
+            <a:xfrm>
+              <a:off x="4177074" y="614545"/>
+              <a:ext cx="89506" cy="87085"/>
+            </a:xfrm>
+            <a:prstGeom prst="rect">
+              <a:avLst/>
+            </a:prstGeom>
+            <a:solidFill>
+              <a:schemeClr val="bg1"/>
+            </a:solidFill>
+            <a:ln>
+              <a:solidFill>
+                <a:schemeClr val="tx1"/>
+              </a:solidFill>
+            </a:ln>
+          </p:spPr>
+          <p:style>
+            <a:lnRef idx="2">
+              <a:schemeClr val="accent1">
+                <a:shade val="50000"/>
+              </a:schemeClr>
+            </a:lnRef>
+            <a:fillRef idx="1">
+              <a:schemeClr val="accent1"/>
+            </a:fillRef>
+            <a:effectRef idx="0">
+              <a:schemeClr val="accent1"/>
+            </a:effectRef>
+            <a:fontRef idx="minor">
+              <a:schemeClr val="lt1"/>
+            </a:fontRef>
+          </p:style>
+          <p:txBody>
+            <a:bodyPr rtlCol="0" anchor="ctr"/>
+            <a:lstStyle/>
+            <a:p>
+              <a:pPr algn="ctr"/>
+              <a:endParaRPr lang="en-US"/>
+            </a:p>
+          </p:txBody>
+        </p:sp>
+        <p:sp>
+          <p:nvSpPr>
+            <p:cNvPr id="103" name="Rectangle 102"/>
+            <p:cNvSpPr/>
+            <p:nvPr/>
+          </p:nvSpPr>
+          <p:spPr>
+            <a:xfrm>
+              <a:off x="4357291" y="614544"/>
+              <a:ext cx="89506" cy="87085"/>
+            </a:xfrm>
+            <a:prstGeom prst="rect">
+              <a:avLst/>
+            </a:prstGeom>
+            <a:solidFill>
+              <a:schemeClr val="bg1"/>
+            </a:solidFill>
+            <a:ln>
+              <a:solidFill>
+                <a:schemeClr val="tx1"/>
+              </a:solidFill>
+            </a:ln>
+          </p:spPr>
+          <p:style>
+            <a:lnRef idx="2">
+              <a:schemeClr val="accent1">
+                <a:shade val="50000"/>
+              </a:schemeClr>
+            </a:lnRef>
+            <a:fillRef idx="1">
+              <a:schemeClr val="accent1"/>
+            </a:fillRef>
+            <a:effectRef idx="0">
+              <a:schemeClr val="accent1"/>
+            </a:effectRef>
+            <a:fontRef idx="minor">
+              <a:schemeClr val="lt1"/>
+            </a:fontRef>
+          </p:style>
+          <p:txBody>
+            <a:bodyPr rtlCol="0" anchor="ctr"/>
+            <a:lstStyle/>
+            <a:p>
+              <a:pPr algn="ctr"/>
+              <a:endParaRPr lang="en-US"/>
+            </a:p>
+          </p:txBody>
+        </p:sp>
+        <p:sp>
+          <p:nvSpPr>
+            <p:cNvPr id="104" name="Rectangle 103"/>
+            <p:cNvSpPr/>
+            <p:nvPr/>
+          </p:nvSpPr>
+          <p:spPr>
+            <a:xfrm>
+              <a:off x="4445586" y="614544"/>
+              <a:ext cx="89506" cy="87085"/>
+            </a:xfrm>
+            <a:prstGeom prst="rect">
+              <a:avLst/>
+            </a:prstGeom>
+            <a:solidFill>
+              <a:schemeClr val="bg1"/>
+            </a:solidFill>
+            <a:ln>
+              <a:solidFill>
+                <a:schemeClr val="tx1"/>
+              </a:solidFill>
+            </a:ln>
+          </p:spPr>
+          <p:style>
+            <a:lnRef idx="2">
+              <a:schemeClr val="accent1">
+                <a:shade val="50000"/>
+              </a:schemeClr>
+            </a:lnRef>
+            <a:fillRef idx="1">
+              <a:schemeClr val="accent1"/>
+            </a:fillRef>
+            <a:effectRef idx="0">
+              <a:schemeClr val="accent1"/>
+            </a:effectRef>
+            <a:fontRef idx="minor">
+              <a:schemeClr val="lt1"/>
+            </a:fontRef>
+          </p:style>
+          <p:txBody>
+            <a:bodyPr rtlCol="0" anchor="ctr"/>
+            <a:lstStyle/>
+            <a:p>
+              <a:pPr algn="ctr"/>
+              <a:endParaRPr lang="en-US"/>
+            </a:p>
+          </p:txBody>
+        </p:sp>
+        <p:sp>
+          <p:nvSpPr>
+            <p:cNvPr id="105" name="Rectangle 104"/>
+            <p:cNvSpPr/>
+            <p:nvPr/>
+          </p:nvSpPr>
+          <p:spPr>
+            <a:xfrm>
+              <a:off x="4535092" y="614543"/>
+              <a:ext cx="89506" cy="87085"/>
+            </a:xfrm>
+            <a:prstGeom prst="rect">
+              <a:avLst/>
+            </a:prstGeom>
+            <a:solidFill>
+              <a:schemeClr val="bg1"/>
+            </a:solidFill>
+            <a:ln>
+              <a:solidFill>
+                <a:schemeClr val="tx1"/>
+              </a:solidFill>
+            </a:ln>
+          </p:spPr>
+          <p:style>
+            <a:lnRef idx="2">
+              <a:schemeClr val="accent1">
+                <a:shade val="50000"/>
+              </a:schemeClr>
+            </a:lnRef>
+            <a:fillRef idx="1">
+              <a:schemeClr val="accent1"/>
+            </a:fillRef>
+            <a:effectRef idx="0">
+              <a:schemeClr val="accent1"/>
+            </a:effectRef>
+            <a:fontRef idx="minor">
+              <a:schemeClr val="lt1"/>
+            </a:fontRef>
+          </p:style>
+          <p:txBody>
+            <a:bodyPr rtlCol="0" anchor="ctr"/>
+            <a:lstStyle/>
+            <a:p>
+              <a:pPr algn="ctr"/>
+              <a:endParaRPr lang="en-US"/>
+            </a:p>
+          </p:txBody>
+        </p:sp>
+        <p:sp>
+          <p:nvSpPr>
+            <p:cNvPr id="106" name="Rectangle 105"/>
+            <p:cNvSpPr/>
+            <p:nvPr/>
+          </p:nvSpPr>
+          <p:spPr>
+            <a:xfrm>
+              <a:off x="4266577" y="614545"/>
+              <a:ext cx="89506" cy="87085"/>
+            </a:xfrm>
+            <a:prstGeom prst="rect">
+              <a:avLst/>
+            </a:prstGeom>
+            <a:solidFill>
+              <a:schemeClr val="bg1"/>
+            </a:solidFill>
+            <a:ln>
+              <a:solidFill>
+                <a:schemeClr val="tx1"/>
+              </a:solidFill>
+            </a:ln>
+          </p:spPr>
+          <p:style>
+            <a:lnRef idx="2">
+              <a:schemeClr val="accent1">
+                <a:shade val="50000"/>
+              </a:schemeClr>
+            </a:lnRef>
+            <a:fillRef idx="1">
+              <a:schemeClr val="accent1"/>
+            </a:fillRef>
+            <a:effectRef idx="0">
+              <a:schemeClr val="accent1"/>
+            </a:effectRef>
+            <a:fontRef idx="minor">
+              <a:schemeClr val="lt1"/>
+            </a:fontRef>
+          </p:style>
+          <p:txBody>
+            <a:bodyPr rtlCol="0" anchor="ctr"/>
+            <a:lstStyle/>
+            <a:p>
+              <a:pPr algn="ctr"/>
+              <a:endParaRPr lang="en-US"/>
+            </a:p>
+          </p:txBody>
+        </p:sp>
+        <p:sp>
+          <p:nvSpPr>
+            <p:cNvPr id="107" name="Rectangle 106"/>
+            <p:cNvSpPr/>
+            <p:nvPr/>
+          </p:nvSpPr>
+          <p:spPr>
+            <a:xfrm>
+              <a:off x="3730758" y="844357"/>
+              <a:ext cx="89506" cy="87085"/>
+            </a:xfrm>
+            <a:prstGeom prst="rect">
+              <a:avLst/>
+            </a:prstGeom>
+            <a:solidFill>
+              <a:schemeClr val="bg1"/>
+            </a:solidFill>
+            <a:ln>
+              <a:solidFill>
+                <a:schemeClr val="tx1"/>
+              </a:solidFill>
+            </a:ln>
+          </p:spPr>
+          <p:style>
+            <a:lnRef idx="2">
+              <a:schemeClr val="accent1">
+                <a:shade val="50000"/>
+              </a:schemeClr>
+            </a:lnRef>
+            <a:fillRef idx="1">
+              <a:schemeClr val="accent1"/>
+            </a:fillRef>
+            <a:effectRef idx="0">
+              <a:schemeClr val="accent1"/>
+            </a:effectRef>
+            <a:fontRef idx="minor">
+              <a:schemeClr val="lt1"/>
+            </a:fontRef>
+          </p:style>
+          <p:txBody>
+            <a:bodyPr rtlCol="0" anchor="ctr"/>
+            <a:lstStyle/>
+            <a:p>
+              <a:pPr algn="ctr"/>
+              <a:endParaRPr lang="en-US"/>
+            </a:p>
+          </p:txBody>
+        </p:sp>
+        <p:sp>
+          <p:nvSpPr>
+            <p:cNvPr id="108" name="Rectangle 107"/>
+            <p:cNvSpPr/>
+            <p:nvPr/>
+          </p:nvSpPr>
+          <p:spPr>
+            <a:xfrm>
+              <a:off x="3910975" y="844356"/>
+              <a:ext cx="89506" cy="87085"/>
+            </a:xfrm>
+            <a:prstGeom prst="rect">
+              <a:avLst/>
+            </a:prstGeom>
+            <a:solidFill>
+              <a:schemeClr val="bg1"/>
+            </a:solidFill>
+            <a:ln>
+              <a:solidFill>
+                <a:schemeClr val="tx1"/>
+              </a:solidFill>
+            </a:ln>
+          </p:spPr>
+          <p:style>
+            <a:lnRef idx="2">
+              <a:schemeClr val="accent1">
+                <a:shade val="50000"/>
+              </a:schemeClr>
+            </a:lnRef>
+            <a:fillRef idx="1">
+              <a:schemeClr val="accent1"/>
+            </a:fillRef>
+            <a:effectRef idx="0">
+              <a:schemeClr val="accent1"/>
+            </a:effectRef>
+            <a:fontRef idx="minor">
+              <a:schemeClr val="lt1"/>
+            </a:fontRef>
+          </p:style>
+          <p:txBody>
+            <a:bodyPr rtlCol="0" anchor="ctr"/>
+            <a:lstStyle/>
+            <a:p>
+              <a:pPr algn="ctr"/>
+              <a:endParaRPr lang="en-US"/>
+            </a:p>
+          </p:txBody>
+        </p:sp>
+        <p:sp>
+          <p:nvSpPr>
+            <p:cNvPr id="109" name="Rectangle 108"/>
+            <p:cNvSpPr/>
+            <p:nvPr/>
+          </p:nvSpPr>
+          <p:spPr>
+            <a:xfrm>
+              <a:off x="3999270" y="844356"/>
+              <a:ext cx="89506" cy="87085"/>
+            </a:xfrm>
+            <a:prstGeom prst="rect">
+              <a:avLst/>
+            </a:prstGeom>
+            <a:solidFill>
+              <a:schemeClr val="bg1"/>
+            </a:solidFill>
+            <a:ln>
+              <a:solidFill>
+                <a:schemeClr val="tx1"/>
+              </a:solidFill>
+            </a:ln>
+          </p:spPr>
+          <p:style>
+            <a:lnRef idx="2">
+              <a:schemeClr val="accent1">
+                <a:shade val="50000"/>
+              </a:schemeClr>
+            </a:lnRef>
+            <a:fillRef idx="1">
+              <a:schemeClr val="accent1"/>
+            </a:fillRef>
+            <a:effectRef idx="0">
+              <a:schemeClr val="accent1"/>
+            </a:effectRef>
+            <a:fontRef idx="minor">
+              <a:schemeClr val="lt1"/>
+            </a:fontRef>
+          </p:style>
+          <p:txBody>
+            <a:bodyPr rtlCol="0" anchor="ctr"/>
+            <a:lstStyle/>
+            <a:p>
+              <a:pPr algn="ctr"/>
+              <a:endParaRPr lang="en-US"/>
+            </a:p>
+          </p:txBody>
+        </p:sp>
+        <p:sp>
+          <p:nvSpPr>
+            <p:cNvPr id="110" name="Rectangle 109"/>
+            <p:cNvSpPr/>
+            <p:nvPr/>
+          </p:nvSpPr>
+          <p:spPr>
+            <a:xfrm>
+              <a:off x="4088776" y="844355"/>
+              <a:ext cx="89506" cy="87085"/>
+            </a:xfrm>
+            <a:prstGeom prst="rect">
+              <a:avLst/>
+            </a:prstGeom>
+            <a:solidFill>
+              <a:schemeClr val="tx1"/>
+            </a:solidFill>
+            <a:ln>
+              <a:solidFill>
+                <a:schemeClr val="tx1"/>
+              </a:solidFill>
+            </a:ln>
+          </p:spPr>
+          <p:style>
+            <a:lnRef idx="2">
+              <a:schemeClr val="accent1">
+                <a:shade val="50000"/>
+              </a:schemeClr>
+            </a:lnRef>
+            <a:fillRef idx="1">
+              <a:schemeClr val="accent1"/>
+            </a:fillRef>
+            <a:effectRef idx="0">
+              <a:schemeClr val="accent1"/>
+            </a:effectRef>
+            <a:fontRef idx="minor">
+              <a:schemeClr val="lt1"/>
+            </a:fontRef>
+          </p:style>
+          <p:txBody>
+            <a:bodyPr rtlCol="0" anchor="ctr"/>
+            <a:lstStyle/>
+            <a:p>
+              <a:pPr algn="ctr"/>
+              <a:endParaRPr lang="en-US"/>
+            </a:p>
+          </p:txBody>
+        </p:sp>
+        <p:sp>
+          <p:nvSpPr>
+            <p:cNvPr id="111" name="Rectangle 110"/>
+            <p:cNvSpPr/>
+            <p:nvPr/>
+          </p:nvSpPr>
+          <p:spPr>
+            <a:xfrm>
+              <a:off x="3820261" y="844357"/>
+              <a:ext cx="89506" cy="87085"/>
+            </a:xfrm>
+            <a:prstGeom prst="rect">
+              <a:avLst/>
+            </a:prstGeom>
+            <a:solidFill>
+              <a:schemeClr val="bg1"/>
+            </a:solidFill>
+            <a:ln>
+              <a:solidFill>
+                <a:schemeClr val="tx1"/>
+              </a:solidFill>
+            </a:ln>
+          </p:spPr>
+          <p:style>
+            <a:lnRef idx="2">
+              <a:schemeClr val="accent1">
+                <a:shade val="50000"/>
+              </a:schemeClr>
+            </a:lnRef>
+            <a:fillRef idx="1">
+              <a:schemeClr val="accent1"/>
+            </a:fillRef>
+            <a:effectRef idx="0">
+              <a:schemeClr val="accent1"/>
+            </a:effectRef>
+            <a:fontRef idx="minor">
+              <a:schemeClr val="lt1"/>
+            </a:fontRef>
+          </p:style>
+          <p:txBody>
+            <a:bodyPr rtlCol="0" anchor="ctr"/>
+            <a:lstStyle/>
+            <a:p>
+              <a:pPr algn="ctr"/>
+              <a:endParaRPr lang="en-US"/>
+            </a:p>
+          </p:txBody>
+        </p:sp>
+        <p:sp>
+          <p:nvSpPr>
+            <p:cNvPr id="112" name="Rectangle 111"/>
+            <p:cNvSpPr/>
+            <p:nvPr/>
+          </p:nvSpPr>
+          <p:spPr>
+            <a:xfrm>
+              <a:off x="4177071" y="844355"/>
+              <a:ext cx="89506" cy="87085"/>
+            </a:xfrm>
+            <a:prstGeom prst="rect">
+              <a:avLst/>
+            </a:prstGeom>
+            <a:solidFill>
+              <a:schemeClr val="tx1"/>
+            </a:solidFill>
+            <a:ln>
+              <a:solidFill>
+                <a:schemeClr val="tx1"/>
+              </a:solidFill>
+            </a:ln>
+          </p:spPr>
+          <p:style>
+            <a:lnRef idx="2">
+              <a:schemeClr val="accent1">
+                <a:shade val="50000"/>
+              </a:schemeClr>
+            </a:lnRef>
+            <a:fillRef idx="1">
+              <a:schemeClr val="accent1"/>
+            </a:fillRef>
+            <a:effectRef idx="0">
+              <a:schemeClr val="accent1"/>
+            </a:effectRef>
+            <a:fontRef idx="minor">
+              <a:schemeClr val="lt1"/>
+            </a:fontRef>
+          </p:style>
+          <p:txBody>
+            <a:bodyPr rtlCol="0" anchor="ctr"/>
+            <a:lstStyle/>
+            <a:p>
+              <a:pPr algn="ctr"/>
+              <a:endParaRPr lang="en-US"/>
+            </a:p>
+          </p:txBody>
+        </p:sp>
+        <p:sp>
+          <p:nvSpPr>
+            <p:cNvPr id="113" name="Rectangle 112"/>
+            <p:cNvSpPr/>
+            <p:nvPr/>
+          </p:nvSpPr>
+          <p:spPr>
+            <a:xfrm>
+              <a:off x="4357288" y="844354"/>
+              <a:ext cx="89506" cy="87085"/>
+            </a:xfrm>
+            <a:prstGeom prst="rect">
+              <a:avLst/>
+            </a:prstGeom>
+            <a:solidFill>
+              <a:schemeClr val="bg1"/>
+            </a:solidFill>
+            <a:ln>
+              <a:solidFill>
+                <a:schemeClr val="tx1"/>
+              </a:solidFill>
+            </a:ln>
+          </p:spPr>
+          <p:style>
+            <a:lnRef idx="2">
+              <a:schemeClr val="accent1">
+                <a:shade val="50000"/>
+              </a:schemeClr>
+            </a:lnRef>
+            <a:fillRef idx="1">
+              <a:schemeClr val="accent1"/>
+            </a:fillRef>
+            <a:effectRef idx="0">
+              <a:schemeClr val="accent1"/>
+            </a:effectRef>
+            <a:fontRef idx="minor">
+              <a:schemeClr val="lt1"/>
+            </a:fontRef>
+          </p:style>
+          <p:txBody>
+            <a:bodyPr rtlCol="0" anchor="ctr"/>
+            <a:lstStyle/>
+            <a:p>
+              <a:pPr algn="ctr"/>
+              <a:endParaRPr lang="en-US"/>
+            </a:p>
+          </p:txBody>
+        </p:sp>
+        <p:sp>
+          <p:nvSpPr>
+            <p:cNvPr id="114" name="Rectangle 113"/>
+            <p:cNvSpPr/>
+            <p:nvPr/>
+          </p:nvSpPr>
+          <p:spPr>
+            <a:xfrm>
+              <a:off x="4445583" y="844354"/>
+              <a:ext cx="89506" cy="87085"/>
+            </a:xfrm>
+            <a:prstGeom prst="rect">
+              <a:avLst/>
+            </a:prstGeom>
+            <a:solidFill>
+              <a:schemeClr val="bg1"/>
+            </a:solidFill>
+            <a:ln>
+              <a:solidFill>
+                <a:schemeClr val="tx1"/>
+              </a:solidFill>
+            </a:ln>
+          </p:spPr>
+          <p:style>
+            <a:lnRef idx="2">
+              <a:schemeClr val="accent1">
+                <a:shade val="50000"/>
+              </a:schemeClr>
+            </a:lnRef>
+            <a:fillRef idx="1">
+              <a:schemeClr val="accent1"/>
+            </a:fillRef>
+            <a:effectRef idx="0">
+              <a:schemeClr val="accent1"/>
+            </a:effectRef>
+            <a:fontRef idx="minor">
+              <a:schemeClr val="lt1"/>
+            </a:fontRef>
+          </p:style>
+          <p:txBody>
+            <a:bodyPr rtlCol="0" anchor="ctr"/>
+            <a:lstStyle/>
+            <a:p>
+              <a:pPr algn="ctr"/>
+              <a:endParaRPr lang="en-US"/>
+            </a:p>
+          </p:txBody>
+        </p:sp>
+        <p:sp>
+          <p:nvSpPr>
+            <p:cNvPr id="115" name="Rectangle 114"/>
+            <p:cNvSpPr/>
+            <p:nvPr/>
+          </p:nvSpPr>
+          <p:spPr>
+            <a:xfrm>
+              <a:off x="4535089" y="844353"/>
+              <a:ext cx="89506" cy="87085"/>
+            </a:xfrm>
+            <a:prstGeom prst="rect">
+              <a:avLst/>
+            </a:prstGeom>
+            <a:solidFill>
+              <a:schemeClr val="bg1"/>
+            </a:solidFill>
+            <a:ln>
+              <a:solidFill>
+                <a:schemeClr val="tx1"/>
+              </a:solidFill>
+            </a:ln>
+          </p:spPr>
+          <p:style>
+            <a:lnRef idx="2">
+              <a:schemeClr val="accent1">
+                <a:shade val="50000"/>
+              </a:schemeClr>
+            </a:lnRef>
+            <a:fillRef idx="1">
+              <a:schemeClr val="accent1"/>
+            </a:fillRef>
+            <a:effectRef idx="0">
+              <a:schemeClr val="accent1"/>
+            </a:effectRef>
+            <a:fontRef idx="minor">
+              <a:schemeClr val="lt1"/>
+            </a:fontRef>
+          </p:style>
+          <p:txBody>
+            <a:bodyPr rtlCol="0" anchor="ctr"/>
+            <a:lstStyle/>
+            <a:p>
+              <a:pPr algn="ctr"/>
+              <a:endParaRPr lang="en-US"/>
+            </a:p>
+          </p:txBody>
+        </p:sp>
+        <p:sp>
+          <p:nvSpPr>
+            <p:cNvPr id="116" name="Rectangle 115"/>
+            <p:cNvSpPr/>
+            <p:nvPr/>
+          </p:nvSpPr>
+          <p:spPr>
+            <a:xfrm>
+              <a:off x="4266574" y="844355"/>
+              <a:ext cx="89506" cy="87085"/>
+            </a:xfrm>
+            <a:prstGeom prst="rect">
+              <a:avLst/>
+            </a:prstGeom>
+            <a:solidFill>
+              <a:schemeClr val="bg1"/>
+            </a:solidFill>
+            <a:ln>
+              <a:solidFill>
+                <a:schemeClr val="tx1"/>
+              </a:solidFill>
+            </a:ln>
+          </p:spPr>
+          <p:style>
+            <a:lnRef idx="2">
+              <a:schemeClr val="accent1">
+                <a:shade val="50000"/>
+              </a:schemeClr>
+            </a:lnRef>
+            <a:fillRef idx="1">
+              <a:schemeClr val="accent1"/>
+            </a:fillRef>
+            <a:effectRef idx="0">
+              <a:schemeClr val="accent1"/>
+            </a:effectRef>
+            <a:fontRef idx="minor">
+              <a:schemeClr val="lt1"/>
+            </a:fontRef>
+          </p:style>
+          <p:txBody>
+            <a:bodyPr rtlCol="0" anchor="ctr"/>
+            <a:lstStyle/>
+            <a:p>
+              <a:pPr algn="ctr"/>
+              <a:endParaRPr lang="en-US"/>
+            </a:p>
+          </p:txBody>
+        </p:sp>
+        <p:sp>
+          <p:nvSpPr>
+            <p:cNvPr id="117" name="Rectangle 116"/>
+            <p:cNvSpPr/>
+            <p:nvPr/>
+          </p:nvSpPr>
+          <p:spPr>
+            <a:xfrm>
+              <a:off x="3730755" y="1069812"/>
+              <a:ext cx="89506" cy="87085"/>
+            </a:xfrm>
+            <a:prstGeom prst="rect">
+              <a:avLst/>
+            </a:prstGeom>
+            <a:solidFill>
+              <a:schemeClr val="bg1"/>
+            </a:solidFill>
+            <a:ln>
+              <a:solidFill>
+                <a:schemeClr val="tx1"/>
+              </a:solidFill>
+            </a:ln>
+          </p:spPr>
+          <p:style>
+            <a:lnRef idx="2">
+              <a:schemeClr val="accent1">
+                <a:shade val="50000"/>
+              </a:schemeClr>
+            </a:lnRef>
+            <a:fillRef idx="1">
+              <a:schemeClr val="accent1"/>
+            </a:fillRef>
+            <a:effectRef idx="0">
+              <a:schemeClr val="accent1"/>
+            </a:effectRef>
+            <a:fontRef idx="minor">
+              <a:schemeClr val="lt1"/>
+            </a:fontRef>
+          </p:style>
+          <p:txBody>
+            <a:bodyPr rtlCol="0" anchor="ctr"/>
+            <a:lstStyle/>
+            <a:p>
+              <a:pPr algn="ctr"/>
+              <a:endParaRPr lang="en-US"/>
+            </a:p>
+          </p:txBody>
+        </p:sp>
+        <p:sp>
+          <p:nvSpPr>
+            <p:cNvPr id="118" name="Rectangle 117"/>
+            <p:cNvSpPr/>
+            <p:nvPr/>
+          </p:nvSpPr>
+          <p:spPr>
+            <a:xfrm>
+              <a:off x="3910972" y="1069811"/>
+              <a:ext cx="89506" cy="87085"/>
+            </a:xfrm>
+            <a:prstGeom prst="rect">
+              <a:avLst/>
+            </a:prstGeom>
+            <a:solidFill>
+              <a:schemeClr val="bg1"/>
+            </a:solidFill>
+            <a:ln>
+              <a:solidFill>
+                <a:schemeClr val="tx1"/>
+              </a:solidFill>
+            </a:ln>
+          </p:spPr>
+          <p:style>
+            <a:lnRef idx="2">
+              <a:schemeClr val="accent1">
+                <a:shade val="50000"/>
+              </a:schemeClr>
+            </a:lnRef>
+            <a:fillRef idx="1">
+              <a:schemeClr val="accent1"/>
+            </a:fillRef>
+            <a:effectRef idx="0">
+              <a:schemeClr val="accent1"/>
+            </a:effectRef>
+            <a:fontRef idx="minor">
+              <a:schemeClr val="lt1"/>
+            </a:fontRef>
+          </p:style>
+          <p:txBody>
+            <a:bodyPr rtlCol="0" anchor="ctr"/>
+            <a:lstStyle/>
+            <a:p>
+              <a:pPr algn="ctr"/>
+              <a:endParaRPr lang="en-US"/>
+            </a:p>
+          </p:txBody>
+        </p:sp>
+        <p:sp>
+          <p:nvSpPr>
+            <p:cNvPr id="119" name="Rectangle 118"/>
+            <p:cNvSpPr/>
+            <p:nvPr/>
+          </p:nvSpPr>
+          <p:spPr>
+            <a:xfrm>
+              <a:off x="3999267" y="1069811"/>
+              <a:ext cx="89506" cy="87085"/>
+            </a:xfrm>
+            <a:prstGeom prst="rect">
+              <a:avLst/>
+            </a:prstGeom>
+            <a:solidFill>
+              <a:schemeClr val="tx1"/>
+            </a:solidFill>
+            <a:ln>
+              <a:solidFill>
+                <a:schemeClr val="tx1"/>
+              </a:solidFill>
+            </a:ln>
+          </p:spPr>
+          <p:style>
+            <a:lnRef idx="2">
+              <a:schemeClr val="accent1">
+                <a:shade val="50000"/>
+              </a:schemeClr>
+            </a:lnRef>
+            <a:fillRef idx="1">
+              <a:schemeClr val="accent1"/>
+            </a:fillRef>
+            <a:effectRef idx="0">
+              <a:schemeClr val="accent1"/>
+            </a:effectRef>
+            <a:fontRef idx="minor">
+              <a:schemeClr val="lt1"/>
+            </a:fontRef>
+          </p:style>
+          <p:txBody>
+            <a:bodyPr rtlCol="0" anchor="ctr"/>
+            <a:lstStyle/>
+            <a:p>
+              <a:pPr algn="ctr"/>
+              <a:endParaRPr lang="en-US"/>
+            </a:p>
+          </p:txBody>
+        </p:sp>
+        <p:sp>
+          <p:nvSpPr>
+            <p:cNvPr id="120" name="Rectangle 119"/>
+            <p:cNvSpPr/>
+            <p:nvPr/>
+          </p:nvSpPr>
+          <p:spPr>
+            <a:xfrm>
+              <a:off x="4088773" y="1069810"/>
+              <a:ext cx="89506" cy="87085"/>
+            </a:xfrm>
+            <a:prstGeom prst="rect">
+              <a:avLst/>
+            </a:prstGeom>
+            <a:solidFill>
+              <a:schemeClr val="bg1"/>
+            </a:solidFill>
+            <a:ln>
+              <a:solidFill>
+                <a:schemeClr val="tx1"/>
+              </a:solidFill>
+            </a:ln>
+          </p:spPr>
+          <p:style>
+            <a:lnRef idx="2">
+              <a:schemeClr val="accent1">
+                <a:shade val="50000"/>
+              </a:schemeClr>
+            </a:lnRef>
+            <a:fillRef idx="1">
+              <a:schemeClr val="accent1"/>
+            </a:fillRef>
+            <a:effectRef idx="0">
+              <a:schemeClr val="accent1"/>
+            </a:effectRef>
+            <a:fontRef idx="minor">
+              <a:schemeClr val="lt1"/>
+            </a:fontRef>
+          </p:style>
+          <p:txBody>
+            <a:bodyPr rtlCol="0" anchor="ctr"/>
+            <a:lstStyle/>
+            <a:p>
+              <a:pPr algn="ctr"/>
+              <a:endParaRPr lang="en-US"/>
+            </a:p>
+          </p:txBody>
+        </p:sp>
+        <p:sp>
+          <p:nvSpPr>
+            <p:cNvPr id="121" name="Rectangle 120"/>
+            <p:cNvSpPr/>
+            <p:nvPr/>
+          </p:nvSpPr>
+          <p:spPr>
+            <a:xfrm>
+              <a:off x="3820258" y="1069812"/>
+              <a:ext cx="89506" cy="87085"/>
+            </a:xfrm>
+            <a:prstGeom prst="rect">
+              <a:avLst/>
+            </a:prstGeom>
+            <a:solidFill>
+              <a:schemeClr val="bg1"/>
+            </a:solidFill>
+            <a:ln>
+              <a:solidFill>
+                <a:schemeClr val="tx1"/>
+              </a:solidFill>
+            </a:ln>
+          </p:spPr>
+          <p:style>
+            <a:lnRef idx="2">
+              <a:schemeClr val="accent1">
+                <a:shade val="50000"/>
+              </a:schemeClr>
+            </a:lnRef>
+            <a:fillRef idx="1">
+              <a:schemeClr val="accent1"/>
+            </a:fillRef>
+            <a:effectRef idx="0">
+              <a:schemeClr val="accent1"/>
+            </a:effectRef>
+            <a:fontRef idx="minor">
+              <a:schemeClr val="lt1"/>
+            </a:fontRef>
+          </p:style>
+          <p:txBody>
+            <a:bodyPr rtlCol="0" anchor="ctr"/>
+            <a:lstStyle/>
+            <a:p>
+              <a:pPr algn="ctr"/>
+              <a:endParaRPr lang="en-US"/>
+            </a:p>
+          </p:txBody>
+        </p:sp>
+        <p:sp>
+          <p:nvSpPr>
+            <p:cNvPr id="122" name="Rectangle 121"/>
+            <p:cNvSpPr/>
+            <p:nvPr/>
+          </p:nvSpPr>
+          <p:spPr>
+            <a:xfrm>
+              <a:off x="4177068" y="1069810"/>
+              <a:ext cx="89506" cy="87085"/>
+            </a:xfrm>
+            <a:prstGeom prst="rect">
+              <a:avLst/>
+            </a:prstGeom>
+            <a:solidFill>
+              <a:schemeClr val="tx1"/>
+            </a:solidFill>
+            <a:ln>
+              <a:solidFill>
+                <a:schemeClr val="tx1"/>
+              </a:solidFill>
+            </a:ln>
+          </p:spPr>
+          <p:style>
+            <a:lnRef idx="2">
+              <a:schemeClr val="accent1">
+                <a:shade val="50000"/>
+              </a:schemeClr>
+            </a:lnRef>
+            <a:fillRef idx="1">
+              <a:schemeClr val="accent1"/>
+            </a:fillRef>
+            <a:effectRef idx="0">
+              <a:schemeClr val="accent1"/>
+            </a:effectRef>
+            <a:fontRef idx="minor">
+              <a:schemeClr val="lt1"/>
+            </a:fontRef>
+          </p:style>
+          <p:txBody>
+            <a:bodyPr rtlCol="0" anchor="ctr"/>
+            <a:lstStyle/>
+            <a:p>
+              <a:pPr algn="ctr"/>
+              <a:endParaRPr lang="en-US"/>
+            </a:p>
+          </p:txBody>
+        </p:sp>
+        <p:sp>
+          <p:nvSpPr>
+            <p:cNvPr id="123" name="Rectangle 122"/>
+            <p:cNvSpPr/>
+            <p:nvPr/>
+          </p:nvSpPr>
+          <p:spPr>
+            <a:xfrm>
+              <a:off x="4357285" y="1069809"/>
+              <a:ext cx="89506" cy="87085"/>
+            </a:xfrm>
+            <a:prstGeom prst="rect">
+              <a:avLst/>
+            </a:prstGeom>
+            <a:solidFill>
+              <a:schemeClr val="bg1"/>
+            </a:solidFill>
+            <a:ln>
+              <a:solidFill>
+                <a:schemeClr val="tx1"/>
+              </a:solidFill>
+            </a:ln>
+          </p:spPr>
+          <p:style>
+            <a:lnRef idx="2">
+              <a:schemeClr val="accent1">
+                <a:shade val="50000"/>
+              </a:schemeClr>
+            </a:lnRef>
+            <a:fillRef idx="1">
+              <a:schemeClr val="accent1"/>
+            </a:fillRef>
+            <a:effectRef idx="0">
+              <a:schemeClr val="accent1"/>
+            </a:effectRef>
+            <a:fontRef idx="minor">
+              <a:schemeClr val="lt1"/>
+            </a:fontRef>
+          </p:style>
+          <p:txBody>
+            <a:bodyPr rtlCol="0" anchor="ctr"/>
+            <a:lstStyle/>
+            <a:p>
+              <a:pPr algn="ctr"/>
+              <a:endParaRPr lang="en-US"/>
+            </a:p>
+          </p:txBody>
+        </p:sp>
+        <p:sp>
+          <p:nvSpPr>
+            <p:cNvPr id="124" name="Rectangle 123"/>
+            <p:cNvSpPr/>
+            <p:nvPr/>
+          </p:nvSpPr>
+          <p:spPr>
+            <a:xfrm>
+              <a:off x="4445580" y="1069809"/>
+              <a:ext cx="89506" cy="87085"/>
+            </a:xfrm>
+            <a:prstGeom prst="rect">
+              <a:avLst/>
+            </a:prstGeom>
+            <a:solidFill>
+              <a:schemeClr val="bg1"/>
+            </a:solidFill>
+            <a:ln>
+              <a:solidFill>
+                <a:schemeClr val="tx1"/>
+              </a:solidFill>
+            </a:ln>
+          </p:spPr>
+          <p:style>
+            <a:lnRef idx="2">
+              <a:schemeClr val="accent1">
+                <a:shade val="50000"/>
+              </a:schemeClr>
+            </a:lnRef>
+            <a:fillRef idx="1">
+              <a:schemeClr val="accent1"/>
+            </a:fillRef>
+            <a:effectRef idx="0">
+              <a:schemeClr val="accent1"/>
+            </a:effectRef>
+            <a:fontRef idx="minor">
+              <a:schemeClr val="lt1"/>
+            </a:fontRef>
+          </p:style>
+          <p:txBody>
+            <a:bodyPr rtlCol="0" anchor="ctr"/>
+            <a:lstStyle/>
+            <a:p>
+              <a:pPr algn="ctr"/>
+              <a:endParaRPr lang="en-US"/>
+            </a:p>
+          </p:txBody>
+        </p:sp>
+        <p:sp>
+          <p:nvSpPr>
+            <p:cNvPr id="125" name="Rectangle 124"/>
+            <p:cNvSpPr/>
+            <p:nvPr/>
+          </p:nvSpPr>
+          <p:spPr>
+            <a:xfrm>
+              <a:off x="4535086" y="1069808"/>
+              <a:ext cx="89506" cy="87085"/>
+            </a:xfrm>
+            <a:prstGeom prst="rect">
+              <a:avLst/>
+            </a:prstGeom>
+            <a:solidFill>
+              <a:schemeClr val="bg1"/>
+            </a:solidFill>
+            <a:ln>
+              <a:solidFill>
+                <a:schemeClr val="tx1"/>
+              </a:solidFill>
+            </a:ln>
+          </p:spPr>
+          <p:style>
+            <a:lnRef idx="2">
+              <a:schemeClr val="accent1">
+                <a:shade val="50000"/>
+              </a:schemeClr>
+            </a:lnRef>
+            <a:fillRef idx="1">
+              <a:schemeClr val="accent1"/>
+            </a:fillRef>
+            <a:effectRef idx="0">
+              <a:schemeClr val="accent1"/>
+            </a:effectRef>
+            <a:fontRef idx="minor">
+              <a:schemeClr val="lt1"/>
+            </a:fontRef>
+          </p:style>
+          <p:txBody>
+            <a:bodyPr rtlCol="0" anchor="ctr"/>
+            <a:lstStyle/>
+            <a:p>
+              <a:pPr algn="ctr"/>
+              <a:endParaRPr lang="en-US"/>
+            </a:p>
+          </p:txBody>
+        </p:sp>
+        <p:sp>
+          <p:nvSpPr>
+            <p:cNvPr id="126" name="Rectangle 125"/>
+            <p:cNvSpPr/>
+            <p:nvPr/>
+          </p:nvSpPr>
+          <p:spPr>
+            <a:xfrm>
+              <a:off x="4266571" y="1069810"/>
+              <a:ext cx="89506" cy="87085"/>
+            </a:xfrm>
+            <a:prstGeom prst="rect">
+              <a:avLst/>
+            </a:prstGeom>
+            <a:solidFill>
+              <a:schemeClr val="tx1"/>
+            </a:solidFill>
+            <a:ln>
+              <a:solidFill>
+                <a:schemeClr val="tx1"/>
+              </a:solidFill>
+            </a:ln>
+          </p:spPr>
+          <p:style>
+            <a:lnRef idx="2">
+              <a:schemeClr val="accent1">
+                <a:shade val="50000"/>
+              </a:schemeClr>
+            </a:lnRef>
+            <a:fillRef idx="1">
+              <a:schemeClr val="accent1"/>
+            </a:fillRef>
+            <a:effectRef idx="0">
+              <a:schemeClr val="accent1"/>
+            </a:effectRef>
+            <a:fontRef idx="minor">
+              <a:schemeClr val="lt1"/>
+            </a:fontRef>
+          </p:style>
+          <p:txBody>
+            <a:bodyPr rtlCol="0" anchor="ctr"/>
+            <a:lstStyle/>
+            <a:p>
+              <a:pPr algn="ctr"/>
+              <a:endParaRPr lang="en-US"/>
+            </a:p>
+          </p:txBody>
+        </p:sp>
+        <p:sp>
+          <p:nvSpPr>
+            <p:cNvPr id="127" name="TextBox 126"/>
+            <p:cNvSpPr txBox="1"/>
+            <p:nvPr/>
+          </p:nvSpPr>
+          <p:spPr>
+            <a:xfrm>
+              <a:off x="3637202" y="452442"/>
+              <a:ext cx="193524" cy="246221"/>
+            </a:xfrm>
+            <a:prstGeom prst="rect">
+              <a:avLst/>
+            </a:prstGeom>
+            <a:noFill/>
+          </p:spPr>
+          <p:txBody>
+            <a:bodyPr wrap="square" rtlCol="0">
+              <a:spAutoFit/>
+            </a:bodyPr>
+            <a:lstStyle/>
+            <a:p>
+              <a:r>
+                <a:rPr lang="en-US" sz="1000" dirty="0" smtClean="0"/>
+                <a:t>1</a:t>
+              </a:r>
+              <a:endParaRPr lang="en-US" sz="1000" dirty="0"/>
+            </a:p>
+          </p:txBody>
+        </p:sp>
+        <p:sp>
+          <p:nvSpPr>
+            <p:cNvPr id="128" name="TextBox 127"/>
+            <p:cNvSpPr txBox="1"/>
+            <p:nvPr/>
+          </p:nvSpPr>
+          <p:spPr>
+            <a:xfrm>
+              <a:off x="4518936" y="452442"/>
+              <a:ext cx="316906" cy="246221"/>
+            </a:xfrm>
+            <a:prstGeom prst="rect">
+              <a:avLst/>
+            </a:prstGeom>
+            <a:noFill/>
+          </p:spPr>
+          <p:txBody>
+            <a:bodyPr wrap="square" rtlCol="0">
+              <a:spAutoFit/>
+            </a:bodyPr>
+            <a:lstStyle/>
+            <a:p>
+              <a:r>
+                <a:rPr lang="en-US" sz="1000" dirty="0" smtClean="0"/>
+                <a:t>50</a:t>
+              </a:r>
+              <a:endParaRPr lang="en-US" sz="1000" dirty="0"/>
+            </a:p>
+          </p:txBody>
+        </p:sp>
+        <p:sp>
+          <p:nvSpPr>
+            <p:cNvPr id="129" name="TextBox 128"/>
+            <p:cNvSpPr txBox="1"/>
+            <p:nvPr/>
+          </p:nvSpPr>
+          <p:spPr>
+            <a:xfrm>
+              <a:off x="3613044" y="684168"/>
+              <a:ext cx="316860" cy="246221"/>
+            </a:xfrm>
+            <a:prstGeom prst="rect">
+              <a:avLst/>
+            </a:prstGeom>
+            <a:noFill/>
+          </p:spPr>
+          <p:txBody>
+            <a:bodyPr wrap="square" rtlCol="0">
+              <a:spAutoFit/>
+            </a:bodyPr>
+            <a:lstStyle/>
+            <a:p>
+              <a:r>
+                <a:rPr lang="en-US" sz="1000" dirty="0" smtClean="0"/>
+                <a:t>51</a:t>
+              </a:r>
+              <a:endParaRPr lang="en-US" sz="1000" dirty="0"/>
+            </a:p>
+          </p:txBody>
+        </p:sp>
+        <p:sp>
+          <p:nvSpPr>
+            <p:cNvPr id="130" name="TextBox 129"/>
+            <p:cNvSpPr txBox="1"/>
+            <p:nvPr/>
+          </p:nvSpPr>
+          <p:spPr>
+            <a:xfrm>
+              <a:off x="4479005" y="684167"/>
+              <a:ext cx="397960" cy="246221"/>
+            </a:xfrm>
+            <a:prstGeom prst="rect">
+              <a:avLst/>
+            </a:prstGeom>
+            <a:noFill/>
+          </p:spPr>
+          <p:txBody>
+            <a:bodyPr wrap="square" rtlCol="0">
+              <a:spAutoFit/>
+            </a:bodyPr>
+            <a:lstStyle/>
+            <a:p>
+              <a:r>
+                <a:rPr lang="en-US" sz="1000" dirty="0" smtClean="0"/>
+                <a:t>100</a:t>
+              </a:r>
+              <a:endParaRPr lang="en-US" sz="1000" dirty="0"/>
+            </a:p>
+          </p:txBody>
+        </p:sp>
+        <p:sp>
+          <p:nvSpPr>
+            <p:cNvPr id="131" name="TextBox 130"/>
+            <p:cNvSpPr txBox="1"/>
+            <p:nvPr/>
+          </p:nvSpPr>
+          <p:spPr>
+            <a:xfrm>
+              <a:off x="3580373" y="913022"/>
+              <a:ext cx="394315" cy="246221"/>
+            </a:xfrm>
+            <a:prstGeom prst="rect">
+              <a:avLst/>
+            </a:prstGeom>
+            <a:noFill/>
+          </p:spPr>
+          <p:txBody>
+            <a:bodyPr wrap="square" rtlCol="0">
+              <a:spAutoFit/>
+            </a:bodyPr>
+            <a:lstStyle/>
+            <a:p>
+              <a:r>
+                <a:rPr lang="en-US" sz="1000" dirty="0" smtClean="0"/>
+                <a:t>101</a:t>
+              </a:r>
+              <a:endParaRPr lang="en-US" sz="1000" dirty="0"/>
+            </a:p>
+          </p:txBody>
+        </p:sp>
+        <p:sp>
+          <p:nvSpPr>
+            <p:cNvPr id="132" name="TextBox 131"/>
+            <p:cNvSpPr txBox="1"/>
+            <p:nvPr/>
+          </p:nvSpPr>
+          <p:spPr>
+            <a:xfrm>
+              <a:off x="4476563" y="913023"/>
+              <a:ext cx="387083" cy="246221"/>
+            </a:xfrm>
+            <a:prstGeom prst="rect">
+              <a:avLst/>
+            </a:prstGeom>
+            <a:noFill/>
+          </p:spPr>
+          <p:txBody>
+            <a:bodyPr wrap="square" rtlCol="0">
+              <a:spAutoFit/>
+            </a:bodyPr>
+            <a:lstStyle/>
+            <a:p>
+              <a:r>
+                <a:rPr lang="en-US" sz="1000" dirty="0" smtClean="0"/>
+                <a:t>150</a:t>
+              </a:r>
+              <a:endParaRPr lang="en-US" sz="1000" dirty="0"/>
+            </a:p>
+          </p:txBody>
+        </p:sp>
+      </p:grpSp>
     </p:spTree>
     <p:extLst>
       <p:ext uri="{BB962C8B-B14F-4D97-AF65-F5344CB8AC3E}">

--- a/graphs/motivation.pptx
+++ b/graphs/motivation.pptx
@@ -3183,11 +3183,7 @@
           <a:p>
             <a:r>
               <a:rPr lang="en-US" dirty="0" smtClean="0"/>
-              <a:t>76,79,81</a:t>
-            </a:r>
-            <a:r>
-              <a:rPr lang="en-US" dirty="0" smtClean="0"/>
-              <a:t>,</a:t>
+              <a:t>76,79,81,</a:t>
             </a:r>
             <a:endParaRPr lang="en-US" dirty="0"/>
           </a:p>
@@ -3217,7 +3213,7 @@
           <a:p>
             <a:r>
               <a:rPr lang="en-US" dirty="0" smtClean="0"/>
-              <a:t>119,127,135</a:t>
+              <a:t>116,119,135</a:t>
             </a:r>
             <a:endParaRPr lang="en-US" dirty="0"/>
           </a:p>
@@ -4615,7 +4611,7 @@
               <a:avLst/>
             </a:prstGeom>
             <a:solidFill>
-              <a:schemeClr val="tx1"/>
+              <a:schemeClr val="bg1"/>
             </a:solidFill>
             <a:ln>
               <a:solidFill>
